--- a/Présentation CUBE 2.pptx
+++ b/Présentation CUBE 2.pptx
@@ -10,14 +10,14 @@
   <p:sldIdLst>
     <p:sldId id="256" r:id="rId2"/>
     <p:sldId id="258" r:id="rId3"/>
-    <p:sldId id="261" r:id="rId4"/>
-    <p:sldId id="259" r:id="rId5"/>
-    <p:sldId id="260" r:id="rId6"/>
+    <p:sldId id="259" r:id="rId4"/>
+    <p:sldId id="260" r:id="rId5"/>
+    <p:sldId id="261" r:id="rId6"/>
     <p:sldId id="262" r:id="rId7"/>
     <p:sldId id="263" r:id="rId8"/>
-    <p:sldId id="264" r:id="rId9"/>
-    <p:sldId id="265" r:id="rId10"/>
-    <p:sldId id="266" r:id="rId11"/>
+    <p:sldId id="266" r:id="rId9"/>
+    <p:sldId id="264" r:id="rId10"/>
+    <p:sldId id="265" r:id="rId11"/>
   </p:sldIdLst>
   <p:sldSz cx="12192000" cy="6858000"/>
   <p:notesSz cx="6858000" cy="9144000"/>
@@ -127,6 +127,7 @@
 <file path=ppt/revisionInfo.xml><?xml version="1.0" encoding="utf-8"?>
 <p1510:revInfo xmlns:a="http://schemas.openxmlformats.org/drawingml/2006/main" xmlns:r="http://schemas.openxmlformats.org/officeDocument/2006/relationships" xmlns:p1510="http://schemas.microsoft.com/office/powerpoint/2015/10/main">
   <p1510:revLst>
+    <p1510:client id="{E410CC85-CE06-492B-ABD1-1BF9FA65696E}" v="3" dt="2023-03-14T15:55:33.625"/>
     <p1510:client id="{E8D26D28-C69B-4783-B1CB-C66F82A2FF9C}" v="9" dt="2023-03-14T10:39:08.947"/>
   </p1510:revLst>
 </p1510:revInfo>
@@ -134,6 +135,191 @@
 
 <file path=ppt/changesInfos/changesInfo1.xml><?xml version="1.0" encoding="utf-8"?>
 <pc:chgInfo xmlns:a="http://schemas.openxmlformats.org/drawingml/2006/main" xmlns:r="http://schemas.openxmlformats.org/officeDocument/2006/relationships" xmlns:ac="http://schemas.microsoft.com/office/drawing/2013/main/command" xmlns:pc="http://schemas.microsoft.com/office/powerpoint/2013/main/command">
+  <pc:docChgLst>
+    <pc:chgData name="Adeline Fernandez" userId="dab5bb2eb88bd76e" providerId="LiveId" clId="{E410CC85-CE06-492B-ABD1-1BF9FA65696E}"/>
+    <pc:docChg chg="undo custSel modSld sldOrd">
+      <pc:chgData name="Adeline Fernandez" userId="dab5bb2eb88bd76e" providerId="LiveId" clId="{E410CC85-CE06-492B-ABD1-1BF9FA65696E}" dt="2023-03-14T16:12:13.743" v="350" actId="20577"/>
+      <pc:docMkLst>
+        <pc:docMk/>
+      </pc:docMkLst>
+      <pc:sldChg chg="modSp mod">
+        <pc:chgData name="Adeline Fernandez" userId="dab5bb2eb88bd76e" providerId="LiveId" clId="{E410CC85-CE06-492B-ABD1-1BF9FA65696E}" dt="2023-03-14T14:50:41.595" v="1" actId="20577"/>
+        <pc:sldMkLst>
+          <pc:docMk/>
+          <pc:sldMk cId="495421651" sldId="258"/>
+        </pc:sldMkLst>
+        <pc:spChg chg="mod">
+          <ac:chgData name="Adeline Fernandez" userId="dab5bb2eb88bd76e" providerId="LiveId" clId="{E410CC85-CE06-492B-ABD1-1BF9FA65696E}" dt="2023-03-14T14:50:41.595" v="1" actId="20577"/>
+          <ac:spMkLst>
+            <pc:docMk/>
+            <pc:sldMk cId="495421651" sldId="258"/>
+            <ac:spMk id="3" creationId="{BBD81D5C-493E-78B1-6616-F151FFE650EA}"/>
+          </ac:spMkLst>
+        </pc:spChg>
+      </pc:sldChg>
+      <pc:sldChg chg="addSp delSp modSp mod ord">
+        <pc:chgData name="Adeline Fernandez" userId="dab5bb2eb88bd76e" providerId="LiveId" clId="{E410CC85-CE06-492B-ABD1-1BF9FA65696E}" dt="2023-03-14T15:57:41.007" v="104" actId="1076"/>
+        <pc:sldMkLst>
+          <pc:docMk/>
+          <pc:sldMk cId="1182368662" sldId="259"/>
+        </pc:sldMkLst>
+        <pc:spChg chg="del mod">
+          <ac:chgData name="Adeline Fernandez" userId="dab5bb2eb88bd76e" providerId="LiveId" clId="{E410CC85-CE06-492B-ABD1-1BF9FA65696E}" dt="2023-03-14T15:34:52.464" v="83" actId="478"/>
+          <ac:spMkLst>
+            <pc:docMk/>
+            <pc:sldMk cId="1182368662" sldId="259"/>
+            <ac:spMk id="3" creationId="{BBD81D5C-493E-78B1-6616-F151FFE650EA}"/>
+          </ac:spMkLst>
+        </pc:spChg>
+        <pc:spChg chg="add del mod">
+          <ac:chgData name="Adeline Fernandez" userId="dab5bb2eb88bd76e" providerId="LiveId" clId="{E410CC85-CE06-492B-ABD1-1BF9FA65696E}" dt="2023-03-14T15:57:26.473" v="97" actId="478"/>
+          <ac:spMkLst>
+            <pc:docMk/>
+            <pc:sldMk cId="1182368662" sldId="259"/>
+            <ac:spMk id="10" creationId="{BA489AB2-FD64-74F4-F3A8-BDB580FD41F9}"/>
+          </ac:spMkLst>
+        </pc:spChg>
+        <pc:picChg chg="mod">
+          <ac:chgData name="Adeline Fernandez" userId="dab5bb2eb88bd76e" providerId="LiveId" clId="{E410CC85-CE06-492B-ABD1-1BF9FA65696E}" dt="2023-03-14T14:59:16.325" v="7" actId="1076"/>
+          <ac:picMkLst>
+            <pc:docMk/>
+            <pc:sldMk cId="1182368662" sldId="259"/>
+            <ac:picMk id="5" creationId="{E6742EDC-E73E-6ACD-B581-F4706B466BBB}"/>
+          </ac:picMkLst>
+        </pc:picChg>
+        <pc:picChg chg="add mod">
+          <ac:chgData name="Adeline Fernandez" userId="dab5bb2eb88bd76e" providerId="LiveId" clId="{E410CC85-CE06-492B-ABD1-1BF9FA65696E}" dt="2023-03-14T15:57:41.007" v="104" actId="1076"/>
+          <ac:picMkLst>
+            <pc:docMk/>
+            <pc:sldMk cId="1182368662" sldId="259"/>
+            <ac:picMk id="7" creationId="{BD2F5658-7F7E-34D3-03F6-923D987D50E5}"/>
+          </ac:picMkLst>
+        </pc:picChg>
+        <pc:picChg chg="add del mod">
+          <ac:chgData name="Adeline Fernandez" userId="dab5bb2eb88bd76e" providerId="LiveId" clId="{E410CC85-CE06-492B-ABD1-1BF9FA65696E}" dt="2023-03-14T15:57:25.736" v="96" actId="478"/>
+          <ac:picMkLst>
+            <pc:docMk/>
+            <pc:sldMk cId="1182368662" sldId="259"/>
+            <ac:picMk id="9" creationId="{AFA4C690-0446-1273-61E4-562AAA1F6AAC}"/>
+          </ac:picMkLst>
+        </pc:picChg>
+      </pc:sldChg>
+      <pc:sldChg chg="addSp delSp modSp mod ord">
+        <pc:chgData name="Adeline Fernandez" userId="dab5bb2eb88bd76e" providerId="LiveId" clId="{E410CC85-CE06-492B-ABD1-1BF9FA65696E}" dt="2023-03-14T15:57:36.679" v="102" actId="1076"/>
+        <pc:sldMkLst>
+          <pc:docMk/>
+          <pc:sldMk cId="2708360123" sldId="260"/>
+        </pc:sldMkLst>
+        <pc:spChg chg="del mod">
+          <ac:chgData name="Adeline Fernandez" userId="dab5bb2eb88bd76e" providerId="LiveId" clId="{E410CC85-CE06-492B-ABD1-1BF9FA65696E}" dt="2023-03-14T15:55:46.174" v="95" actId="478"/>
+          <ac:spMkLst>
+            <pc:docMk/>
+            <pc:sldMk cId="2708360123" sldId="260"/>
+            <ac:spMk id="3" creationId="{BBD81D5C-493E-78B1-6616-F151FFE650EA}"/>
+          </ac:spMkLst>
+        </pc:spChg>
+        <pc:picChg chg="add mod">
+          <ac:chgData name="Adeline Fernandez" userId="dab5bb2eb88bd76e" providerId="LiveId" clId="{E410CC85-CE06-492B-ABD1-1BF9FA65696E}" dt="2023-03-14T15:57:36.679" v="102" actId="1076"/>
+          <ac:picMkLst>
+            <pc:docMk/>
+            <pc:sldMk cId="2708360123" sldId="260"/>
+            <ac:picMk id="7" creationId="{09B34FDF-DA7D-BBDB-69A2-D0D8363A286D}"/>
+          </ac:picMkLst>
+        </pc:picChg>
+      </pc:sldChg>
+      <pc:sldChg chg="modSp mod">
+        <pc:chgData name="Adeline Fernandez" userId="dab5bb2eb88bd76e" providerId="LiveId" clId="{E410CC85-CE06-492B-ABD1-1BF9FA65696E}" dt="2023-03-14T16:05:40.708" v="247" actId="120"/>
+        <pc:sldMkLst>
+          <pc:docMk/>
+          <pc:sldMk cId="3762045951" sldId="261"/>
+        </pc:sldMkLst>
+        <pc:spChg chg="mod">
+          <ac:chgData name="Adeline Fernandez" userId="dab5bb2eb88bd76e" providerId="LiveId" clId="{E410CC85-CE06-492B-ABD1-1BF9FA65696E}" dt="2023-03-14T16:05:40.708" v="247" actId="120"/>
+          <ac:spMkLst>
+            <pc:docMk/>
+            <pc:sldMk cId="3762045951" sldId="261"/>
+            <ac:spMk id="3" creationId="{BBD81D5C-493E-78B1-6616-F151FFE650EA}"/>
+          </ac:spMkLst>
+        </pc:spChg>
+        <pc:picChg chg="mod">
+          <ac:chgData name="Adeline Fernandez" userId="dab5bb2eb88bd76e" providerId="LiveId" clId="{E410CC85-CE06-492B-ABD1-1BF9FA65696E}" dt="2023-03-14T16:05:32.544" v="244" actId="1076"/>
+          <ac:picMkLst>
+            <pc:docMk/>
+            <pc:sldMk cId="3762045951" sldId="261"/>
+            <ac:picMk id="5" creationId="{E6742EDC-E73E-6ACD-B581-F4706B466BBB}"/>
+          </ac:picMkLst>
+        </pc:picChg>
+      </pc:sldChg>
+      <pc:sldChg chg="modSp mod">
+        <pc:chgData name="Adeline Fernandez" userId="dab5bb2eb88bd76e" providerId="LiveId" clId="{E410CC85-CE06-492B-ABD1-1BF9FA65696E}" dt="2023-03-14T16:06:59.916" v="295" actId="20577"/>
+        <pc:sldMkLst>
+          <pc:docMk/>
+          <pc:sldMk cId="2621285410" sldId="262"/>
+        </pc:sldMkLst>
+        <pc:spChg chg="mod">
+          <ac:chgData name="Adeline Fernandez" userId="dab5bb2eb88bd76e" providerId="LiveId" clId="{E410CC85-CE06-492B-ABD1-1BF9FA65696E}" dt="2023-03-14T16:06:59.916" v="295" actId="20577"/>
+          <ac:spMkLst>
+            <pc:docMk/>
+            <pc:sldMk cId="2621285410" sldId="262"/>
+            <ac:spMk id="3" creationId="{BBD81D5C-493E-78B1-6616-F151FFE650EA}"/>
+          </ac:spMkLst>
+        </pc:spChg>
+        <pc:picChg chg="mod">
+          <ac:chgData name="Adeline Fernandez" userId="dab5bb2eb88bd76e" providerId="LiveId" clId="{E410CC85-CE06-492B-ABD1-1BF9FA65696E}" dt="2023-03-14T16:06:13.575" v="250" actId="1076"/>
+          <ac:picMkLst>
+            <pc:docMk/>
+            <pc:sldMk cId="2621285410" sldId="262"/>
+            <ac:picMk id="5" creationId="{E6742EDC-E73E-6ACD-B581-F4706B466BBB}"/>
+          </ac:picMkLst>
+        </pc:picChg>
+      </pc:sldChg>
+      <pc:sldChg chg="modSp mod">
+        <pc:chgData name="Adeline Fernandez" userId="dab5bb2eb88bd76e" providerId="LiveId" clId="{E410CC85-CE06-492B-ABD1-1BF9FA65696E}" dt="2023-03-14T16:07:21.302" v="296" actId="120"/>
+        <pc:sldMkLst>
+          <pc:docMk/>
+          <pc:sldMk cId="2168826528" sldId="263"/>
+        </pc:sldMkLst>
+        <pc:spChg chg="mod">
+          <ac:chgData name="Adeline Fernandez" userId="dab5bb2eb88bd76e" providerId="LiveId" clId="{E410CC85-CE06-492B-ABD1-1BF9FA65696E}" dt="2023-03-14T16:07:21.302" v="296" actId="120"/>
+          <ac:spMkLst>
+            <pc:docMk/>
+            <pc:sldMk cId="2168826528" sldId="263"/>
+            <ac:spMk id="3" creationId="{BBD81D5C-493E-78B1-6616-F151FFE650EA}"/>
+          </ac:spMkLst>
+        </pc:spChg>
+      </pc:sldChg>
+      <pc:sldChg chg="modSp mod">
+        <pc:chgData name="Adeline Fernandez" userId="dab5bb2eb88bd76e" providerId="LiveId" clId="{E410CC85-CE06-492B-ABD1-1BF9FA65696E}" dt="2023-03-14T16:12:13.743" v="350" actId="20577"/>
+        <pc:sldMkLst>
+          <pc:docMk/>
+          <pc:sldMk cId="2184707159" sldId="265"/>
+        </pc:sldMkLst>
+        <pc:spChg chg="mod">
+          <ac:chgData name="Adeline Fernandez" userId="dab5bb2eb88bd76e" providerId="LiveId" clId="{E410CC85-CE06-492B-ABD1-1BF9FA65696E}" dt="2023-03-14T16:12:02.377" v="310" actId="20577"/>
+          <ac:spMkLst>
+            <pc:docMk/>
+            <pc:sldMk cId="2184707159" sldId="265"/>
+            <ac:spMk id="2" creationId="{8AAC8793-2459-E680-2673-DA71B6BD3198}"/>
+          </ac:spMkLst>
+        </pc:spChg>
+        <pc:spChg chg="mod">
+          <ac:chgData name="Adeline Fernandez" userId="dab5bb2eb88bd76e" providerId="LiveId" clId="{E410CC85-CE06-492B-ABD1-1BF9FA65696E}" dt="2023-03-14T16:12:13.743" v="350" actId="20577"/>
+          <ac:spMkLst>
+            <pc:docMk/>
+            <pc:sldMk cId="2184707159" sldId="265"/>
+            <ac:spMk id="3" creationId="{BBD81D5C-493E-78B1-6616-F151FFE650EA}"/>
+          </ac:spMkLst>
+        </pc:spChg>
+      </pc:sldChg>
+      <pc:sldChg chg="ord">
+        <pc:chgData name="Adeline Fernandez" userId="dab5bb2eb88bd76e" providerId="LiveId" clId="{E410CC85-CE06-492B-ABD1-1BF9FA65696E}" dt="2023-03-14T16:11:10.336" v="298"/>
+        <pc:sldMkLst>
+          <pc:docMk/>
+          <pc:sldMk cId="230450834" sldId="266"/>
+        </pc:sldMkLst>
+      </pc:sldChg>
+    </pc:docChg>
+  </pc:docChgLst>
   <pc:docChgLst>
     <pc:chgData name="Adeline Fernandez" userId="dab5bb2eb88bd76e" providerId="LiveId" clId="{E8D26D28-C69B-4783-B1CB-C66F82A2FF9C}"/>
     <pc:docChg chg="undo custSel modSld sldOrd">
@@ -5449,12 +5635,12 @@
         <p:spPr>
           <a:xfrm>
             <a:off x="2179865" y="412818"/>
-            <a:ext cx="7810500" cy="1063557"/>
+            <a:ext cx="7810500" cy="1476365"/>
           </a:xfrm>
         </p:spPr>
         <p:txBody>
           <a:bodyPr anchor="b">
-            <a:normAutofit/>
+            <a:noAutofit/>
           </a:bodyPr>
           <a:lstStyle/>
           <a:p>
@@ -5462,7 +5648,7 @@
               <a:rPr lang="fr-FR" dirty="0">
                 <a:latin typeface="Amasis MT Pro Medium" panose="02040604050005020304" pitchFamily="18" charset="0"/>
               </a:rPr>
-              <a:t>Evolutions envisagées</a:t>
+              <a:t>Bilan final </a:t>
             </a:r>
             <a:endParaRPr lang="fr-FR" dirty="0"/>
           </a:p>
@@ -5486,8 +5672,8 @@
         </p:nvSpPr>
         <p:spPr>
           <a:xfrm>
-            <a:off x="2619375" y="1889183"/>
-            <a:ext cx="6953250" cy="3749617"/>
+            <a:off x="2619375" y="2152650"/>
+            <a:ext cx="6953250" cy="3486150"/>
           </a:xfrm>
         </p:spPr>
         <p:txBody>
@@ -5502,7 +5688,7 @@
             </a:pPr>
             <a:r>
               <a:rPr lang="fr-FR" dirty="0"/>
-              <a:t>Amélioration du visuel</a:t>
+              <a:t>Difficultés rencontrées</a:t>
             </a:r>
           </a:p>
           <a:p>
@@ -5512,7 +5698,7 @@
             </a:pPr>
             <a:r>
               <a:rPr lang="fr-FR" dirty="0"/>
-              <a:t>Intégration de nouvelles pages pour les besoins des utilisateurs : graphes, prévisions météo</a:t>
+              <a:t>Solutions </a:t>
             </a:r>
           </a:p>
           <a:p>
@@ -5529,7 +5715,7 @@
           <p:cNvPr id="6" name="Espace réservé du numéro de diapositive 5">
             <a:extLst>
               <a:ext uri="{FF2B5EF4-FFF2-40B4-BE49-F238E27FC236}">
-                <a16:creationId xmlns:a16="http://schemas.microsoft.com/office/drawing/2014/main" id="{849CACCF-2FD1-DF9D-B527-0FAE9FCE1B5D}"/>
+                <a16:creationId xmlns:a16="http://schemas.microsoft.com/office/drawing/2014/main" id="{C8FF65BA-EF36-A08A-A9D9-177DBD2CD342}"/>
               </a:ext>
             </a:extLst>
           </p:cNvPr>
@@ -5556,7 +5742,7 @@
     </p:spTree>
     <p:extLst>
       <p:ext uri="{BB962C8B-B14F-4D97-AF65-F5344CB8AC3E}">
-        <p14:creationId xmlns:p14="http://schemas.microsoft.com/office/powerpoint/2010/main" val="230450834"/>
+        <p14:creationId xmlns:p14="http://schemas.microsoft.com/office/powerpoint/2010/main" val="2184707159"/>
       </p:ext>
     </p:extLst>
   </p:cSld>
@@ -7133,7 +7319,7 @@
         </p:blipFill>
         <p:spPr>
           <a:xfrm>
-            <a:off x="1524" y="10"/>
+            <a:off x="3048" y="-35592"/>
             <a:ext cx="12188952" cy="6857990"/>
           </a:xfrm>
           <a:prstGeom prst="rect">
@@ -8186,12 +8372,12 @@
         <p:spPr>
           <a:xfrm>
             <a:off x="2179865" y="412818"/>
-            <a:ext cx="7810500" cy="1063557"/>
+            <a:ext cx="7810500" cy="1577907"/>
           </a:xfrm>
         </p:spPr>
         <p:txBody>
           <a:bodyPr anchor="b">
-            <a:normAutofit/>
+            <a:noAutofit/>
           </a:bodyPr>
           <a:lstStyle/>
           <a:p>
@@ -8199,40 +8385,8 @@
               <a:rPr lang="fr-FR" dirty="0">
                 <a:latin typeface="Amasis MT Pro Medium" panose="02040604050005020304" pitchFamily="18" charset="0"/>
               </a:rPr>
-              <a:t>Base de données</a:t>
+              <a:t>Communication capteur et Raspberry</a:t>
             </a:r>
-            <a:endParaRPr lang="fr-FR" dirty="0"/>
-          </a:p>
-        </p:txBody>
-      </p:sp>
-      <p:sp>
-        <p:nvSpPr>
-          <p:cNvPr id="3" name="Sous-titre 2">
-            <a:extLst>
-              <a:ext uri="{FF2B5EF4-FFF2-40B4-BE49-F238E27FC236}">
-                <a16:creationId xmlns:a16="http://schemas.microsoft.com/office/drawing/2014/main" id="{BBD81D5C-493E-78B1-6616-F151FFE650EA}"/>
-              </a:ext>
-            </a:extLst>
-          </p:cNvPr>
-          <p:cNvSpPr>
-            <a:spLocks noGrp="1"/>
-          </p:cNvSpPr>
-          <p:nvPr>
-            <p:ph type="subTitle" idx="1"/>
-          </p:nvPr>
-        </p:nvSpPr>
-        <p:spPr>
-          <a:xfrm>
-            <a:off x="2619375" y="1889183"/>
-            <a:ext cx="6953250" cy="3749617"/>
-          </a:xfrm>
-        </p:spPr>
-        <p:txBody>
-          <a:bodyPr anchor="t">
-            <a:normAutofit/>
-          </a:bodyPr>
-          <a:lstStyle/>
-          <a:p>
             <a:endParaRPr lang="fr-FR" dirty="0"/>
           </a:p>
         </p:txBody>
@@ -8242,7 +8396,7 @@
           <p:cNvPr id="6" name="Espace réservé du numéro de diapositive 5">
             <a:extLst>
               <a:ext uri="{FF2B5EF4-FFF2-40B4-BE49-F238E27FC236}">
-                <a16:creationId xmlns:a16="http://schemas.microsoft.com/office/drawing/2014/main" id="{ABEFB1D2-ECFD-5CF6-793C-D3B747186552}"/>
+                <a16:creationId xmlns:a16="http://schemas.microsoft.com/office/drawing/2014/main" id="{1F3651D4-649B-00B4-9597-409742533F3A}"/>
               </a:ext>
             </a:extLst>
           </p:cNvPr>
@@ -8266,10 +8420,46 @@
           </a:p>
         </p:txBody>
       </p:sp>
+      <p:pic>
+        <p:nvPicPr>
+          <p:cNvPr id="7" name="Image 6" descr="Une image contenant texte&#10;&#10;Description générée automatiquement">
+            <a:extLst>
+              <a:ext uri="{FF2B5EF4-FFF2-40B4-BE49-F238E27FC236}">
+                <a16:creationId xmlns:a16="http://schemas.microsoft.com/office/drawing/2014/main" id="{BD2F5658-7F7E-34D3-03F6-923D987D50E5}"/>
+              </a:ext>
+            </a:extLst>
+          </p:cNvPr>
+          <p:cNvPicPr>
+            <a:picLocks noChangeAspect="1"/>
+          </p:cNvPicPr>
+          <p:nvPr/>
+        </p:nvPicPr>
+        <p:blipFill>
+          <a:blip r:embed="rId3">
+            <a:extLst>
+              <a:ext uri="{28A0092B-C50C-407E-A947-70E740481C1C}">
+                <a14:useLocalDpi xmlns:a14="http://schemas.microsoft.com/office/drawing/2010/main" val="0"/>
+              </a:ext>
+            </a:extLst>
+          </a:blip>
+          <a:stretch>
+            <a:fillRect/>
+          </a:stretch>
+        </p:blipFill>
+        <p:spPr>
+          <a:xfrm>
+            <a:off x="2511490" y="2453073"/>
+            <a:ext cx="7508263" cy="3291869"/>
+          </a:xfrm>
+          <a:prstGeom prst="rect">
+            <a:avLst/>
+          </a:prstGeom>
+        </p:spPr>
+      </p:pic>
     </p:spTree>
     <p:extLst>
       <p:ext uri="{BB962C8B-B14F-4D97-AF65-F5344CB8AC3E}">
-        <p14:creationId xmlns:p14="http://schemas.microsoft.com/office/powerpoint/2010/main" val="3762045951"/>
+        <p14:creationId xmlns:p14="http://schemas.microsoft.com/office/powerpoint/2010/main" val="1182368662"/>
       </p:ext>
     </p:extLst>
   </p:cSld>
@@ -8420,7 +8610,7 @@
         </p:blipFill>
         <p:spPr>
           <a:xfrm>
-            <a:off x="3048" y="-35592"/>
+            <a:off x="1524" y="10"/>
             <a:ext cx="12188952" cy="6857990"/>
           </a:xfrm>
           <a:prstGeom prst="rect">
@@ -9473,7 +9663,7 @@
         <p:spPr>
           <a:xfrm>
             <a:off x="2179865" y="412818"/>
-            <a:ext cx="7810500" cy="1577907"/>
+            <a:ext cx="7810500" cy="1440763"/>
           </a:xfrm>
         </p:spPr>
         <p:txBody>
@@ -9486,58 +9676,9 @@
               <a:rPr lang="fr-FR" dirty="0">
                 <a:latin typeface="Amasis MT Pro Medium" panose="02040604050005020304" pitchFamily="18" charset="0"/>
               </a:rPr>
-              <a:t>Communication capteur et Raspberry</a:t>
+              <a:t>Interrogation API externe</a:t>
             </a:r>
             <a:endParaRPr lang="fr-FR" dirty="0"/>
-          </a:p>
-        </p:txBody>
-      </p:sp>
-      <p:sp>
-        <p:nvSpPr>
-          <p:cNvPr id="3" name="Sous-titre 2">
-            <a:extLst>
-              <a:ext uri="{FF2B5EF4-FFF2-40B4-BE49-F238E27FC236}">
-                <a16:creationId xmlns:a16="http://schemas.microsoft.com/office/drawing/2014/main" id="{BBD81D5C-493E-78B1-6616-F151FFE650EA}"/>
-              </a:ext>
-            </a:extLst>
-          </p:cNvPr>
-          <p:cNvSpPr>
-            <a:spLocks noGrp="1"/>
-          </p:cNvSpPr>
-          <p:nvPr>
-            <p:ph type="subTitle" idx="1"/>
-          </p:nvPr>
-        </p:nvSpPr>
-        <p:spPr>
-          <a:xfrm>
-            <a:off x="2619375" y="2238375"/>
-            <a:ext cx="6953250" cy="3400425"/>
-          </a:xfrm>
-        </p:spPr>
-        <p:txBody>
-          <a:bodyPr anchor="t">
-            <a:normAutofit/>
-          </a:bodyPr>
-          <a:lstStyle/>
-          <a:p>
-            <a:pPr marL="342900" indent="-342900">
-              <a:buFontTx/>
-              <a:buChar char="-"/>
-            </a:pPr>
-            <a:r>
-              <a:rPr lang="fr-FR" dirty="0"/>
-              <a:t>Script récupération de données</a:t>
-            </a:r>
-          </a:p>
-          <a:p>
-            <a:pPr marL="342900" indent="-342900">
-              <a:buFontTx/>
-              <a:buChar char="-"/>
-            </a:pPr>
-            <a:r>
-              <a:rPr lang="fr-FR" dirty="0"/>
-              <a:t>Affichage sur LCD</a:t>
-            </a:r>
           </a:p>
         </p:txBody>
       </p:sp>
@@ -9546,7 +9687,7 @@
           <p:cNvPr id="6" name="Espace réservé du numéro de diapositive 5">
             <a:extLst>
               <a:ext uri="{FF2B5EF4-FFF2-40B4-BE49-F238E27FC236}">
-                <a16:creationId xmlns:a16="http://schemas.microsoft.com/office/drawing/2014/main" id="{1F3651D4-649B-00B4-9597-409742533F3A}"/>
+                <a16:creationId xmlns:a16="http://schemas.microsoft.com/office/drawing/2014/main" id="{36912A81-08FF-F10B-AD81-4144DA0BF4CB}"/>
               </a:ext>
             </a:extLst>
           </p:cNvPr>
@@ -9570,10 +9711,46 @@
           </a:p>
         </p:txBody>
       </p:sp>
+      <p:pic>
+        <p:nvPicPr>
+          <p:cNvPr id="7" name="Image 6" descr="Une image contenant texte&#10;&#10;Description générée automatiquement">
+            <a:extLst>
+              <a:ext uri="{FF2B5EF4-FFF2-40B4-BE49-F238E27FC236}">
+                <a16:creationId xmlns:a16="http://schemas.microsoft.com/office/drawing/2014/main" id="{09B34FDF-DA7D-BBDB-69A2-D0D8363A286D}"/>
+              </a:ext>
+            </a:extLst>
+          </p:cNvPr>
+          <p:cNvPicPr>
+            <a:picLocks noChangeAspect="1"/>
+          </p:cNvPicPr>
+          <p:nvPr/>
+        </p:nvPicPr>
+        <p:blipFill>
+          <a:blip r:embed="rId3">
+            <a:extLst>
+              <a:ext uri="{28A0092B-C50C-407E-A947-70E740481C1C}">
+                <a14:useLocalDpi xmlns:a14="http://schemas.microsoft.com/office/drawing/2010/main" val="0"/>
+              </a:ext>
+            </a:extLst>
+          </a:blip>
+          <a:stretch>
+            <a:fillRect/>
+          </a:stretch>
+        </p:blipFill>
+        <p:spPr>
+          <a:xfrm>
+            <a:off x="1951834" y="2266389"/>
+            <a:ext cx="8697373" cy="3399693"/>
+          </a:xfrm>
+          <a:prstGeom prst="rect">
+            <a:avLst/>
+          </a:prstGeom>
+        </p:spPr>
+      </p:pic>
     </p:spTree>
     <p:extLst>
       <p:ext uri="{BB962C8B-B14F-4D97-AF65-F5344CB8AC3E}">
-        <p14:creationId xmlns:p14="http://schemas.microsoft.com/office/powerpoint/2010/main" val="1182368662"/>
+        <p14:creationId xmlns:p14="http://schemas.microsoft.com/office/powerpoint/2010/main" val="2708360123"/>
       </p:ext>
     </p:extLst>
   </p:cSld>
@@ -10777,12 +10954,12 @@
         <p:spPr>
           <a:xfrm>
             <a:off x="2179865" y="412818"/>
-            <a:ext cx="7810500" cy="1440763"/>
+            <a:ext cx="7810500" cy="1063557"/>
           </a:xfrm>
         </p:spPr>
         <p:txBody>
           <a:bodyPr anchor="b">
-            <a:noAutofit/>
+            <a:normAutofit/>
           </a:bodyPr>
           <a:lstStyle/>
           <a:p>
@@ -10790,7 +10967,7 @@
               <a:rPr lang="fr-FR" dirty="0">
                 <a:latin typeface="Amasis MT Pro Medium" panose="02040604050005020304" pitchFamily="18" charset="0"/>
               </a:rPr>
-              <a:t>Interrogation API externe</a:t>
+              <a:t>Base de données</a:t>
             </a:r>
             <a:endParaRPr lang="fr-FR" dirty="0"/>
           </a:p>
@@ -10814,8 +10991,8 @@
         </p:nvSpPr>
         <p:spPr>
           <a:xfrm>
-            <a:off x="2619375" y="2019300"/>
-            <a:ext cx="6953250" cy="3619500"/>
+            <a:off x="3194995" y="2389707"/>
+            <a:ext cx="6012995" cy="1184987"/>
           </a:xfrm>
         </p:spPr>
         <p:txBody>
@@ -10824,24 +11001,31 @@
           </a:bodyPr>
           <a:lstStyle/>
           <a:p>
-            <a:pPr marL="342900" indent="-342900">
+            <a:pPr marL="342900" indent="-342900" algn="l">
               <a:buFontTx/>
               <a:buChar char="-"/>
             </a:pPr>
             <a:r>
               <a:rPr lang="fr-FR" dirty="0"/>
-              <a:t>Création d’une clé API</a:t>
+              <a:t>Création d’une base</a:t>
             </a:r>
           </a:p>
           <a:p>
-            <a:pPr marL="342900" indent="-342900">
+            <a:pPr marL="342900" indent="-342900" algn="l">
               <a:buFontTx/>
               <a:buChar char="-"/>
             </a:pPr>
             <a:r>
               <a:rPr lang="fr-FR" dirty="0"/>
-              <a:t>Scripts</a:t>
+              <a:t>Création d’une table </a:t>
             </a:r>
+          </a:p>
+          <a:p>
+            <a:pPr marL="342900" indent="-342900" algn="l">
+              <a:buFontTx/>
+              <a:buChar char="-"/>
+            </a:pPr>
+            <a:endParaRPr lang="fr-FR" dirty="0"/>
           </a:p>
         </p:txBody>
       </p:sp>
@@ -10850,7 +11034,7 @@
           <p:cNvPr id="6" name="Espace réservé du numéro de diapositive 5">
             <a:extLst>
               <a:ext uri="{FF2B5EF4-FFF2-40B4-BE49-F238E27FC236}">
-                <a16:creationId xmlns:a16="http://schemas.microsoft.com/office/drawing/2014/main" id="{36912A81-08FF-F10B-AD81-4144DA0BF4CB}"/>
+                <a16:creationId xmlns:a16="http://schemas.microsoft.com/office/drawing/2014/main" id="{ABEFB1D2-ECFD-5CF6-793C-D3B747186552}"/>
               </a:ext>
             </a:extLst>
           </p:cNvPr>
@@ -10877,7 +11061,7 @@
     </p:spTree>
     <p:extLst>
       <p:ext uri="{BB962C8B-B14F-4D97-AF65-F5344CB8AC3E}">
-        <p14:creationId xmlns:p14="http://schemas.microsoft.com/office/powerpoint/2010/main" val="2708360123"/>
+        <p14:creationId xmlns:p14="http://schemas.microsoft.com/office/powerpoint/2010/main" val="3762045951"/>
       </p:ext>
     </p:extLst>
   </p:cSld>
@@ -11028,7 +11212,7 @@
         </p:blipFill>
         <p:spPr>
           <a:xfrm>
-            <a:off x="1524" y="10"/>
+            <a:off x="-9361" y="10"/>
             <a:ext cx="12188952" cy="6857990"/>
           </a:xfrm>
           <a:prstGeom prst="rect">
@@ -12124,21 +12308,21 @@
         </p:spPr>
         <p:txBody>
           <a:bodyPr anchor="t">
-            <a:normAutofit fontScale="92500" lnSpcReduction="20000"/>
+            <a:normAutofit lnSpcReduction="10000"/>
           </a:bodyPr>
           <a:lstStyle/>
           <a:p>
-            <a:pPr marL="342900" indent="-342900">
+            <a:pPr marL="342900" indent="-342900" algn="l">
               <a:buFontTx/>
               <a:buChar char="-"/>
             </a:pPr>
             <a:r>
               <a:rPr lang="fr-FR" dirty="0"/>
-              <a:t>Installation de modules nécessaires</a:t>
+              <a:t>Reprise des scripts de tests</a:t>
             </a:r>
           </a:p>
           <a:p>
-            <a:pPr marL="342900" indent="-342900">
+            <a:pPr marL="342900" indent="-342900" algn="l">
               <a:buFontTx/>
               <a:buChar char="-"/>
             </a:pPr>
@@ -12148,7 +12332,7 @@
             </a:r>
           </a:p>
           <a:p>
-            <a:pPr marL="342900" indent="-342900">
+            <a:pPr marL="342900" indent="-342900" algn="l">
               <a:buFontTx/>
               <a:buChar char="-"/>
             </a:pPr>
@@ -12158,17 +12342,7 @@
             </a:r>
           </a:p>
           <a:p>
-            <a:pPr marL="342900" indent="-342900">
-              <a:buFontTx/>
-              <a:buChar char="-"/>
-            </a:pPr>
-            <a:r>
-              <a:rPr lang="fr-FR" dirty="0"/>
-              <a:t>Initialisation du capteur/de l’API</a:t>
-            </a:r>
-          </a:p>
-          <a:p>
-            <a:pPr marL="342900" indent="-342900">
+            <a:pPr marL="342900" indent="-342900" algn="l">
               <a:buFontTx/>
               <a:buChar char="-"/>
             </a:pPr>
@@ -12178,7 +12352,7 @@
             </a:r>
           </a:p>
           <a:p>
-            <a:pPr marL="342900" indent="-342900">
+            <a:pPr marL="342900" indent="-342900" algn="l">
               <a:buFontTx/>
               <a:buChar char="-"/>
             </a:pPr>
@@ -12188,17 +12362,17 @@
             </a:r>
           </a:p>
           <a:p>
-            <a:pPr marL="342900" indent="-342900">
+            <a:pPr marL="342900" indent="-342900" algn="l">
               <a:buFontTx/>
               <a:buChar char="-"/>
             </a:pPr>
             <a:r>
               <a:rPr lang="fr-FR" dirty="0"/>
-              <a:t>Confirmation</a:t>
+              <a:t>Commit</a:t>
             </a:r>
           </a:p>
           <a:p>
-            <a:pPr marL="342900" indent="-342900">
+            <a:pPr marL="342900" indent="-342900" algn="l">
               <a:buFontTx/>
               <a:buChar char="-"/>
             </a:pPr>
@@ -12208,7 +12382,7 @@
             </a:r>
           </a:p>
           <a:p>
-            <a:pPr marL="342900" indent="-342900">
+            <a:pPr marL="342900" indent="-342900" algn="l">
               <a:buFontTx/>
               <a:buChar char="-"/>
             </a:pPr>
@@ -12218,7 +12392,7 @@
             </a:r>
             <a:r>
               <a:rPr lang="fr-FR" dirty="0"/>
-              <a:t> ???? </a:t>
+              <a:t> </a:t>
             </a:r>
           </a:p>
           <a:p>
@@ -13509,7 +13683,7 @@
           </a:bodyPr>
           <a:lstStyle/>
           <a:p>
-            <a:pPr marL="342900" indent="-342900">
+            <a:pPr marL="342900" indent="-342900" algn="l">
               <a:buFontTx/>
               <a:buChar char="-"/>
             </a:pPr>
@@ -13519,7 +13693,7 @@
             </a:r>
           </a:p>
           <a:p>
-            <a:pPr marL="342900" indent="-342900">
+            <a:pPr marL="342900" indent="-342900" algn="l">
               <a:buFontTx/>
               <a:buChar char="-"/>
             </a:pPr>
@@ -14779,7 +14953,7 @@
               <a:rPr lang="fr-FR" dirty="0">
                 <a:latin typeface="Amasis MT Pro Medium" panose="02040604050005020304" pitchFamily="18" charset="0"/>
               </a:rPr>
-              <a:t>Organisation d’équipe</a:t>
+              <a:t>Evolutions envisagées</a:t>
             </a:r>
             <a:endParaRPr lang="fr-FR" dirty="0"/>
           </a:p>
@@ -14813,6 +14987,30 @@
           </a:bodyPr>
           <a:lstStyle/>
           <a:p>
+            <a:pPr marL="342900" indent="-342900">
+              <a:buFontTx/>
+              <a:buChar char="-"/>
+            </a:pPr>
+            <a:r>
+              <a:rPr lang="fr-FR" dirty="0"/>
+              <a:t>Amélioration du visuel</a:t>
+            </a:r>
+          </a:p>
+          <a:p>
+            <a:pPr marL="342900" indent="-342900">
+              <a:buFontTx/>
+              <a:buChar char="-"/>
+            </a:pPr>
+            <a:r>
+              <a:rPr lang="fr-FR" dirty="0"/>
+              <a:t>Intégration de nouvelles pages pour les besoins des utilisateurs : graphes, prévisions météo</a:t>
+            </a:r>
+          </a:p>
+          <a:p>
+            <a:pPr marL="342900" indent="-342900">
+              <a:buFontTx/>
+              <a:buChar char="-"/>
+            </a:pPr>
             <a:endParaRPr lang="fr-FR" dirty="0"/>
           </a:p>
         </p:txBody>
@@ -14822,7 +15020,7 @@
           <p:cNvPr id="6" name="Espace réservé du numéro de diapositive 5">
             <a:extLst>
               <a:ext uri="{FF2B5EF4-FFF2-40B4-BE49-F238E27FC236}">
-                <a16:creationId xmlns:a16="http://schemas.microsoft.com/office/drawing/2014/main" id="{F8E500CC-BD43-E2CE-8E3F-24DF377B5919}"/>
+                <a16:creationId xmlns:a16="http://schemas.microsoft.com/office/drawing/2014/main" id="{849CACCF-2FD1-DF9D-B527-0FAE9FCE1B5D}"/>
               </a:ext>
             </a:extLst>
           </p:cNvPr>
@@ -14849,7 +15047,7 @@
     </p:spTree>
     <p:extLst>
       <p:ext uri="{BB962C8B-B14F-4D97-AF65-F5344CB8AC3E}">
-        <p14:creationId xmlns:p14="http://schemas.microsoft.com/office/powerpoint/2010/main" val="2180545974"/>
+        <p14:creationId xmlns:p14="http://schemas.microsoft.com/office/powerpoint/2010/main" val="230450834"/>
       </p:ext>
     </p:extLst>
   </p:cSld>
@@ -16053,12 +16251,12 @@
         <p:spPr>
           <a:xfrm>
             <a:off x="2179865" y="412818"/>
-            <a:ext cx="7810500" cy="1476365"/>
+            <a:ext cx="7810500" cy="1063557"/>
           </a:xfrm>
         </p:spPr>
         <p:txBody>
           <a:bodyPr anchor="b">
-            <a:noAutofit/>
+            <a:normAutofit/>
           </a:bodyPr>
           <a:lstStyle/>
           <a:p>
@@ -16066,7 +16264,7 @@
               <a:rPr lang="fr-FR" dirty="0">
                 <a:latin typeface="Amasis MT Pro Medium" panose="02040604050005020304" pitchFamily="18" charset="0"/>
               </a:rPr>
-              <a:t>Difficultés rencontrées</a:t>
+              <a:t>Organisation d’équipe</a:t>
             </a:r>
             <a:endParaRPr lang="fr-FR" dirty="0"/>
           </a:p>
@@ -16090,8 +16288,8 @@
         </p:nvSpPr>
         <p:spPr>
           <a:xfrm>
-            <a:off x="2619375" y="2152650"/>
-            <a:ext cx="6953250" cy="3486150"/>
+            <a:off x="2619375" y="1889183"/>
+            <a:ext cx="6953250" cy="3749617"/>
           </a:xfrm>
         </p:spPr>
         <p:txBody>
@@ -16100,30 +16298,6 @@
           </a:bodyPr>
           <a:lstStyle/>
           <a:p>
-            <a:pPr marL="342900" indent="-342900">
-              <a:buFontTx/>
-              <a:buChar char="-"/>
-            </a:pPr>
-            <a:r>
-              <a:rPr lang="fr-FR" dirty="0"/>
-              <a:t>Comprendre l’architecture du projet</a:t>
-            </a:r>
-          </a:p>
-          <a:p>
-            <a:pPr marL="342900" indent="-342900">
-              <a:buFontTx/>
-              <a:buChar char="-"/>
-            </a:pPr>
-            <a:r>
-              <a:rPr lang="fr-FR" dirty="0"/>
-              <a:t>S’approprier des scripts</a:t>
-            </a:r>
-          </a:p>
-          <a:p>
-            <a:pPr marL="342900" indent="-342900">
-              <a:buFontTx/>
-              <a:buChar char="-"/>
-            </a:pPr>
             <a:endParaRPr lang="fr-FR" dirty="0"/>
           </a:p>
         </p:txBody>
@@ -16133,7 +16307,7 @@
           <p:cNvPr id="6" name="Espace réservé du numéro de diapositive 5">
             <a:extLst>
               <a:ext uri="{FF2B5EF4-FFF2-40B4-BE49-F238E27FC236}">
-                <a16:creationId xmlns:a16="http://schemas.microsoft.com/office/drawing/2014/main" id="{C8FF65BA-EF36-A08A-A9D9-177DBD2CD342}"/>
+                <a16:creationId xmlns:a16="http://schemas.microsoft.com/office/drawing/2014/main" id="{F8E500CC-BD43-E2CE-8E3F-24DF377B5919}"/>
               </a:ext>
             </a:extLst>
           </p:cNvPr>
@@ -16160,7 +16334,7 @@
     </p:spTree>
     <p:extLst>
       <p:ext uri="{BB962C8B-B14F-4D97-AF65-F5344CB8AC3E}">
-        <p14:creationId xmlns:p14="http://schemas.microsoft.com/office/powerpoint/2010/main" val="2184707159"/>
+        <p14:creationId xmlns:p14="http://schemas.microsoft.com/office/powerpoint/2010/main" val="2180545974"/>
       </p:ext>
     </p:extLst>
   </p:cSld>

--- a/Présentation CUBE 2.pptx
+++ b/Présentation CUBE 2.pptx
@@ -138,7 +138,7 @@
   <pc:docChgLst>
     <pc:chgData name="Adeline Fernandez" userId="dab5bb2eb88bd76e" providerId="LiveId" clId="{E410CC85-CE06-492B-ABD1-1BF9FA65696E}"/>
     <pc:docChg chg="undo custSel modSld sldOrd">
-      <pc:chgData name="Adeline Fernandez" userId="dab5bb2eb88bd76e" providerId="LiveId" clId="{E410CC85-CE06-492B-ABD1-1BF9FA65696E}" dt="2023-03-14T16:12:13.743" v="350" actId="20577"/>
+      <pc:chgData name="Adeline Fernandez" userId="dab5bb2eb88bd76e" providerId="LiveId" clId="{E410CC85-CE06-492B-ABD1-1BF9FA65696E}" dt="2023-03-15T08:49:38.231" v="667" actId="20577"/>
       <pc:docMkLst>
         <pc:docMk/>
       </pc:docMkLst>
@@ -273,8 +273,8 @@
           </ac:picMkLst>
         </pc:picChg>
       </pc:sldChg>
-      <pc:sldChg chg="modSp mod">
-        <pc:chgData name="Adeline Fernandez" userId="dab5bb2eb88bd76e" providerId="LiveId" clId="{E410CC85-CE06-492B-ABD1-1BF9FA65696E}" dt="2023-03-14T16:07:21.302" v="296" actId="120"/>
+      <pc:sldChg chg="modSp mod ord">
+        <pc:chgData name="Adeline Fernandez" userId="dab5bb2eb88bd76e" providerId="LiveId" clId="{E410CC85-CE06-492B-ABD1-1BF9FA65696E}" dt="2023-03-15T08:36:55.749" v="352"/>
         <pc:sldMkLst>
           <pc:docMk/>
           <pc:sldMk cId="2168826528" sldId="263"/>
@@ -284,6 +284,21 @@
           <ac:spMkLst>
             <pc:docMk/>
             <pc:sldMk cId="2168826528" sldId="263"/>
+            <ac:spMk id="3" creationId="{BBD81D5C-493E-78B1-6616-F151FFE650EA}"/>
+          </ac:spMkLst>
+        </pc:spChg>
+      </pc:sldChg>
+      <pc:sldChg chg="modSp mod">
+        <pc:chgData name="Adeline Fernandez" userId="dab5bb2eb88bd76e" providerId="LiveId" clId="{E410CC85-CE06-492B-ABD1-1BF9FA65696E}" dt="2023-03-15T08:49:38.231" v="667" actId="20577"/>
+        <pc:sldMkLst>
+          <pc:docMk/>
+          <pc:sldMk cId="2180545974" sldId="264"/>
+        </pc:sldMkLst>
+        <pc:spChg chg="mod">
+          <ac:chgData name="Adeline Fernandez" userId="dab5bb2eb88bd76e" providerId="LiveId" clId="{E410CC85-CE06-492B-ABD1-1BF9FA65696E}" dt="2023-03-15T08:49:38.231" v="667" actId="20577"/>
+          <ac:spMkLst>
+            <pc:docMk/>
+            <pc:sldMk cId="2180545974" sldId="264"/>
             <ac:spMk id="3" creationId="{BBD81D5C-493E-78B1-6616-F151FFE650EA}"/>
           </ac:spMkLst>
         </pc:spChg>
@@ -311,12 +326,20 @@
           </ac:spMkLst>
         </pc:spChg>
       </pc:sldChg>
-      <pc:sldChg chg="ord">
-        <pc:chgData name="Adeline Fernandez" userId="dab5bb2eb88bd76e" providerId="LiveId" clId="{E410CC85-CE06-492B-ABD1-1BF9FA65696E}" dt="2023-03-14T16:11:10.336" v="298"/>
+      <pc:sldChg chg="modSp mod ord">
+        <pc:chgData name="Adeline Fernandez" userId="dab5bb2eb88bd76e" providerId="LiveId" clId="{E410CC85-CE06-492B-ABD1-1BF9FA65696E}" dt="2023-03-15T08:43:29.651" v="371" actId="20577"/>
         <pc:sldMkLst>
           <pc:docMk/>
           <pc:sldMk cId="230450834" sldId="266"/>
         </pc:sldMkLst>
+        <pc:spChg chg="mod">
+          <ac:chgData name="Adeline Fernandez" userId="dab5bb2eb88bd76e" providerId="LiveId" clId="{E410CC85-CE06-492B-ABD1-1BF9FA65696E}" dt="2023-03-15T08:43:29.651" v="371" actId="20577"/>
+          <ac:spMkLst>
+            <pc:docMk/>
+            <pc:sldMk cId="230450834" sldId="266"/>
+            <ac:spMk id="3" creationId="{BBD81D5C-493E-78B1-6616-F151FFE650EA}"/>
+          </ac:spMkLst>
+        </pc:spChg>
       </pc:sldChg>
     </pc:docChg>
   </pc:docChgLst>
@@ -708,7 +731,7 @@
           <a:p>
             <a:fld id="{6A5C879D-4AC3-4A60-A46A-E7E622B51E63}" type="datetimeFigureOut">
               <a:rPr lang="fr-FR" smtClean="0"/>
-              <a:t>14/03/2023</a:t>
+              <a:t>15/03/2023</a:t>
             </a:fld>
             <a:endParaRPr lang="fr-FR"/>
           </a:p>
@@ -1122,7 +1145,7 @@
           <a:p>
             <a:fld id="{26EC4F63-19F5-4C32-9008-08FB832A8FE7}" type="datetime1">
               <a:rPr lang="fr-FR" smtClean="0"/>
-              <a:t>14/03/2023</a:t>
+              <a:t>15/03/2023</a:t>
             </a:fld>
             <a:endParaRPr lang="fr-FR"/>
           </a:p>
@@ -1320,7 +1343,7 @@
           <a:p>
             <a:fld id="{AAC608FD-DBB1-44DA-9484-3B6917EC909C}" type="datetime1">
               <a:rPr lang="fr-FR" smtClean="0"/>
-              <a:t>14/03/2023</a:t>
+              <a:t>15/03/2023</a:t>
             </a:fld>
             <a:endParaRPr lang="fr-FR"/>
           </a:p>
@@ -1528,7 +1551,7 @@
           <a:p>
             <a:fld id="{DF232363-D377-47BA-B3BC-E2B3FE18413A}" type="datetime1">
               <a:rPr lang="fr-FR" smtClean="0"/>
-              <a:t>14/03/2023</a:t>
+              <a:t>15/03/2023</a:t>
             </a:fld>
             <a:endParaRPr lang="fr-FR"/>
           </a:p>
@@ -1726,7 +1749,7 @@
           <a:p>
             <a:fld id="{FC408A0E-9409-4DC2-8EA7-55267AF43F5E}" type="datetime1">
               <a:rPr lang="fr-FR" smtClean="0"/>
-              <a:t>14/03/2023</a:t>
+              <a:t>15/03/2023</a:t>
             </a:fld>
             <a:endParaRPr lang="fr-FR"/>
           </a:p>
@@ -2001,7 +2024,7 @@
           <a:p>
             <a:fld id="{077AA6D2-FA0A-4C7A-B79E-43D1627FF221}" type="datetime1">
               <a:rPr lang="fr-FR" smtClean="0"/>
-              <a:t>14/03/2023</a:t>
+              <a:t>15/03/2023</a:t>
             </a:fld>
             <a:endParaRPr lang="fr-FR"/>
           </a:p>
@@ -2266,7 +2289,7 @@
           <a:p>
             <a:fld id="{6FFDAE44-CE85-4B9A-A51B-EE4EB4155FBC}" type="datetime1">
               <a:rPr lang="fr-FR" smtClean="0"/>
-              <a:t>14/03/2023</a:t>
+              <a:t>15/03/2023</a:t>
             </a:fld>
             <a:endParaRPr lang="fr-FR"/>
           </a:p>
@@ -2678,7 +2701,7 @@
           <a:p>
             <a:fld id="{A948827A-0B34-40F0-9474-CA39CEE6500E}" type="datetime1">
               <a:rPr lang="fr-FR" smtClean="0"/>
-              <a:t>14/03/2023</a:t>
+              <a:t>15/03/2023</a:t>
             </a:fld>
             <a:endParaRPr lang="fr-FR"/>
           </a:p>
@@ -2819,7 +2842,7 @@
           <a:p>
             <a:fld id="{D6230CB0-2A31-4983-8072-DA77DD50BABB}" type="datetime1">
               <a:rPr lang="fr-FR" smtClean="0"/>
-              <a:t>14/03/2023</a:t>
+              <a:t>15/03/2023</a:t>
             </a:fld>
             <a:endParaRPr lang="fr-FR"/>
           </a:p>
@@ -2932,7 +2955,7 @@
           <a:p>
             <a:fld id="{CC6C36B6-42B4-49B3-826A-2108FB34D129}" type="datetime1">
               <a:rPr lang="fr-FR" smtClean="0"/>
-              <a:t>14/03/2023</a:t>
+              <a:t>15/03/2023</a:t>
             </a:fld>
             <a:endParaRPr lang="fr-FR"/>
           </a:p>
@@ -3243,7 +3266,7 @@
           <a:p>
             <a:fld id="{3FC0F701-CD6C-40DC-9847-93F4F8393C27}" type="datetime1">
               <a:rPr lang="fr-FR" smtClean="0"/>
-              <a:t>14/03/2023</a:t>
+              <a:t>15/03/2023</a:t>
             </a:fld>
             <a:endParaRPr lang="fr-FR"/>
           </a:p>
@@ -3531,7 +3554,7 @@
           <a:p>
             <a:fld id="{2A6178D2-E222-4439-88CB-44D7D2EC4C59}" type="datetime1">
               <a:rPr lang="fr-FR" smtClean="0"/>
-              <a:t>14/03/2023</a:t>
+              <a:t>15/03/2023</a:t>
             </a:fld>
             <a:endParaRPr lang="fr-FR"/>
           </a:p>
@@ -3772,7 +3795,7 @@
           <a:p>
             <a:fld id="{83158FC8-426F-4BFC-97E5-CA97C7D77A2B}" type="datetime1">
               <a:rPr lang="fr-FR" smtClean="0"/>
-              <a:t>14/03/2023</a:t>
+              <a:t>15/03/2023</a:t>
             </a:fld>
             <a:endParaRPr lang="fr-FR"/>
           </a:p>
@@ -15003,7 +15026,7 @@
             </a:pPr>
             <a:r>
               <a:rPr lang="fr-FR" dirty="0"/>
-              <a:t>Intégration de nouvelles pages pour les besoins des utilisateurs : graphes, prévisions météo</a:t>
+              <a:t>Intégration de nouvelles pages pour les besoins des utilisateurs : graphes</a:t>
             </a:r>
           </a:p>
           <a:p>
@@ -15011,7 +15034,10 @@
               <a:buFontTx/>
               <a:buChar char="-"/>
             </a:pPr>
-            <a:endParaRPr lang="fr-FR" dirty="0"/>
+            <a:r>
+              <a:rPr lang="fr-FR" dirty="0"/>
+              <a:t>Prévisions météo</a:t>
+            </a:r>
           </a:p>
         </p:txBody>
       </p:sp>
@@ -16298,6 +16324,74 @@
           </a:bodyPr>
           <a:lstStyle/>
           <a:p>
+            <a:pPr marL="342900" indent="-342900">
+              <a:buFontTx/>
+              <a:buChar char="-"/>
+            </a:pPr>
+            <a:r>
+              <a:rPr lang="fr-FR" dirty="0"/>
+              <a:t>Premier point en équipe pour le recueil du besoin</a:t>
+            </a:r>
+          </a:p>
+          <a:p>
+            <a:pPr marL="342900" indent="-342900">
+              <a:buFontTx/>
+              <a:buChar char="-"/>
+            </a:pPr>
+            <a:r>
+              <a:rPr lang="fr-FR" dirty="0"/>
+              <a:t>Répartition des tâches</a:t>
+            </a:r>
+          </a:p>
+          <a:p>
+            <a:pPr marL="342900" indent="-342900">
+              <a:buFontTx/>
+              <a:buChar char="-"/>
+            </a:pPr>
+            <a:r>
+              <a:rPr lang="fr-FR" dirty="0"/>
+              <a:t>Réunions </a:t>
+            </a:r>
+            <a:r>
+              <a:rPr lang="fr-FR" dirty="0" err="1"/>
+              <a:t>bi-mensuelles</a:t>
+            </a:r>
+            <a:r>
+              <a:rPr lang="fr-FR" dirty="0"/>
+              <a:t> (évolutions individuelles, problématiques rencontrées)</a:t>
+            </a:r>
+          </a:p>
+          <a:p>
+            <a:pPr marL="342900" indent="-342900">
+              <a:buFontTx/>
+              <a:buChar char="-"/>
+            </a:pPr>
+            <a:r>
+              <a:rPr lang="fr-FR" dirty="0" err="1"/>
+              <a:t>Github</a:t>
+            </a:r>
+            <a:endParaRPr lang="fr-FR" dirty="0"/>
+          </a:p>
+          <a:p>
+            <a:pPr marL="342900" indent="-342900">
+              <a:buFontTx/>
+              <a:buChar char="-"/>
+            </a:pPr>
+            <a:r>
+              <a:rPr lang="fr-FR" dirty="0"/>
+              <a:t>Python / PHP / </a:t>
+            </a:r>
+            <a:r>
+              <a:rPr lang="fr-FR" dirty="0" err="1"/>
+              <a:t>MariaDB</a:t>
+            </a:r>
+            <a:endParaRPr lang="fr-FR" dirty="0"/>
+          </a:p>
+          <a:p>
+            <a:pPr marL="342900" indent="-342900">
+              <a:buFontTx/>
+              <a:buChar char="-"/>
+            </a:pPr>
             <a:endParaRPr lang="fr-FR" dirty="0"/>
           </a:p>
         </p:txBody>

--- a/Présentation CUBE 2.pptx
+++ b/Présentation CUBE 2.pptx
@@ -128,7 +128,6 @@
 <p1510:revInfo xmlns:a="http://schemas.openxmlformats.org/drawingml/2006/main" xmlns:r="http://schemas.openxmlformats.org/officeDocument/2006/relationships" xmlns:p1510="http://schemas.microsoft.com/office/powerpoint/2015/10/main">
   <p1510:revLst>
     <p1510:client id="{E410CC85-CE06-492B-ABD1-1BF9FA65696E}" v="3" dt="2023-03-14T15:55:33.625"/>
-    <p1510:client id="{E8D26D28-C69B-4783-B1CB-C66F82A2FF9C}" v="9" dt="2023-03-14T10:39:08.947"/>
   </p1510:revLst>
 </p1510:revInfo>
 </file>
@@ -138,7 +137,7 @@
   <pc:docChgLst>
     <pc:chgData name="Adeline Fernandez" userId="dab5bb2eb88bd76e" providerId="LiveId" clId="{E410CC85-CE06-492B-ABD1-1BF9FA65696E}"/>
     <pc:docChg chg="undo custSel modSld sldOrd">
-      <pc:chgData name="Adeline Fernandez" userId="dab5bb2eb88bd76e" providerId="LiveId" clId="{E410CC85-CE06-492B-ABD1-1BF9FA65696E}" dt="2023-03-15T08:49:38.231" v="667" actId="20577"/>
+      <pc:chgData name="Adeline Fernandez" userId="dab5bb2eb88bd76e" providerId="LiveId" clId="{E410CC85-CE06-492B-ABD1-1BF9FA65696E}" dt="2023-03-15T11:01:24.357" v="873" actId="14100"/>
       <pc:docMkLst>
         <pc:docMk/>
       </pc:docMkLst>
@@ -289,13 +288,13 @@
         </pc:spChg>
       </pc:sldChg>
       <pc:sldChg chg="modSp mod">
-        <pc:chgData name="Adeline Fernandez" userId="dab5bb2eb88bd76e" providerId="LiveId" clId="{E410CC85-CE06-492B-ABD1-1BF9FA65696E}" dt="2023-03-15T08:49:38.231" v="667" actId="20577"/>
+        <pc:chgData name="Adeline Fernandez" userId="dab5bb2eb88bd76e" providerId="LiveId" clId="{E410CC85-CE06-492B-ABD1-1BF9FA65696E}" dt="2023-03-15T10:57:55.091" v="776" actId="20577"/>
         <pc:sldMkLst>
           <pc:docMk/>
           <pc:sldMk cId="2180545974" sldId="264"/>
         </pc:sldMkLst>
         <pc:spChg chg="mod">
-          <ac:chgData name="Adeline Fernandez" userId="dab5bb2eb88bd76e" providerId="LiveId" clId="{E410CC85-CE06-492B-ABD1-1BF9FA65696E}" dt="2023-03-15T08:49:38.231" v="667" actId="20577"/>
+          <ac:chgData name="Adeline Fernandez" userId="dab5bb2eb88bd76e" providerId="LiveId" clId="{E410CC85-CE06-492B-ABD1-1BF9FA65696E}" dt="2023-03-15T10:57:55.091" v="776" actId="20577"/>
           <ac:spMkLst>
             <pc:docMk/>
             <pc:sldMk cId="2180545974" sldId="264"/>
@@ -303,37 +302,53 @@
           </ac:spMkLst>
         </pc:spChg>
       </pc:sldChg>
-      <pc:sldChg chg="modSp mod">
-        <pc:chgData name="Adeline Fernandez" userId="dab5bb2eb88bd76e" providerId="LiveId" clId="{E410CC85-CE06-492B-ABD1-1BF9FA65696E}" dt="2023-03-14T16:12:13.743" v="350" actId="20577"/>
+      <pc:sldChg chg="addSp delSp modSp mod">
+        <pc:chgData name="Adeline Fernandez" userId="dab5bb2eb88bd76e" providerId="LiveId" clId="{E410CC85-CE06-492B-ABD1-1BF9FA65696E}" dt="2023-03-15T11:01:24.357" v="873" actId="14100"/>
         <pc:sldMkLst>
           <pc:docMk/>
           <pc:sldMk cId="2184707159" sldId="265"/>
         </pc:sldMkLst>
         <pc:spChg chg="mod">
-          <ac:chgData name="Adeline Fernandez" userId="dab5bb2eb88bd76e" providerId="LiveId" clId="{E410CC85-CE06-492B-ABD1-1BF9FA65696E}" dt="2023-03-14T16:12:02.377" v="310" actId="20577"/>
+          <ac:chgData name="Adeline Fernandez" userId="dab5bb2eb88bd76e" providerId="LiveId" clId="{E410CC85-CE06-492B-ABD1-1BF9FA65696E}" dt="2023-03-15T11:01:24.357" v="873" actId="14100"/>
           <ac:spMkLst>
             <pc:docMk/>
             <pc:sldMk cId="2184707159" sldId="265"/>
             <ac:spMk id="2" creationId="{8AAC8793-2459-E680-2673-DA71B6BD3198}"/>
           </ac:spMkLst>
         </pc:spChg>
-        <pc:spChg chg="mod">
-          <ac:chgData name="Adeline Fernandez" userId="dab5bb2eb88bd76e" providerId="LiveId" clId="{E410CC85-CE06-492B-ABD1-1BF9FA65696E}" dt="2023-03-14T16:12:13.743" v="350" actId="20577"/>
+        <pc:spChg chg="del mod">
+          <ac:chgData name="Adeline Fernandez" userId="dab5bb2eb88bd76e" providerId="LiveId" clId="{E410CC85-CE06-492B-ABD1-1BF9FA65696E}" dt="2023-03-15T11:00:58.390" v="863" actId="478"/>
           <ac:spMkLst>
             <pc:docMk/>
             <pc:sldMk cId="2184707159" sldId="265"/>
             <ac:spMk id="3" creationId="{BBD81D5C-493E-78B1-6616-F151FFE650EA}"/>
           </ac:spMkLst>
         </pc:spChg>
+        <pc:spChg chg="add del mod">
+          <ac:chgData name="Adeline Fernandez" userId="dab5bb2eb88bd76e" providerId="LiveId" clId="{E410CC85-CE06-492B-ABD1-1BF9FA65696E}" dt="2023-03-15T11:01:12.636" v="868" actId="478"/>
+          <ac:spMkLst>
+            <pc:docMk/>
+            <pc:sldMk cId="2184707159" sldId="265"/>
+            <ac:spMk id="7" creationId="{EC42843F-A0F6-8892-927A-5756F7EAA315}"/>
+          </ac:spMkLst>
+        </pc:spChg>
+        <pc:picChg chg="add del mod">
+          <ac:chgData name="Adeline Fernandez" userId="dab5bb2eb88bd76e" providerId="LiveId" clId="{E410CC85-CE06-492B-ABD1-1BF9FA65696E}" dt="2023-03-15T11:01:20.917" v="872" actId="1076"/>
+          <ac:picMkLst>
+            <pc:docMk/>
+            <pc:sldMk cId="2184707159" sldId="265"/>
+            <ac:picMk id="5" creationId="{E6742EDC-E73E-6ACD-B581-F4706B466BBB}"/>
+          </ac:picMkLst>
+        </pc:picChg>
       </pc:sldChg>
       <pc:sldChg chg="modSp mod ord">
-        <pc:chgData name="Adeline Fernandez" userId="dab5bb2eb88bd76e" providerId="LiveId" clId="{E410CC85-CE06-492B-ABD1-1BF9FA65696E}" dt="2023-03-15T08:43:29.651" v="371" actId="20577"/>
+        <pc:chgData name="Adeline Fernandez" userId="dab5bb2eb88bd76e" providerId="LiveId" clId="{E410CC85-CE06-492B-ABD1-1BF9FA65696E}" dt="2023-03-15T10:55:00.716" v="734" actId="20577"/>
         <pc:sldMkLst>
           <pc:docMk/>
           <pc:sldMk cId="230450834" sldId="266"/>
         </pc:sldMkLst>
         <pc:spChg chg="mod">
-          <ac:chgData name="Adeline Fernandez" userId="dab5bb2eb88bd76e" providerId="LiveId" clId="{E410CC85-CE06-492B-ABD1-1BF9FA65696E}" dt="2023-03-15T08:43:29.651" v="371" actId="20577"/>
+          <ac:chgData name="Adeline Fernandez" userId="dab5bb2eb88bd76e" providerId="LiveId" clId="{E410CC85-CE06-492B-ABD1-1BF9FA65696E}" dt="2023-03-15T10:55:00.716" v="734" actId="20577"/>
           <ac:spMkLst>
             <pc:docMk/>
             <pc:sldMk cId="230450834" sldId="266"/>
@@ -5658,7 +5673,7 @@
         <p:spPr>
           <a:xfrm>
             <a:off x="2179865" y="412818"/>
-            <a:ext cx="7810500" cy="1476365"/>
+            <a:ext cx="7810500" cy="3366080"/>
           </a:xfrm>
         </p:spPr>
         <p:txBody>
@@ -5673,62 +5688,6 @@
               </a:rPr>
               <a:t>Bilan final </a:t>
             </a:r>
-            <a:endParaRPr lang="fr-FR" dirty="0"/>
-          </a:p>
-        </p:txBody>
-      </p:sp>
-      <p:sp>
-        <p:nvSpPr>
-          <p:cNvPr id="3" name="Sous-titre 2">
-            <a:extLst>
-              <a:ext uri="{FF2B5EF4-FFF2-40B4-BE49-F238E27FC236}">
-                <a16:creationId xmlns:a16="http://schemas.microsoft.com/office/drawing/2014/main" id="{BBD81D5C-493E-78B1-6616-F151FFE650EA}"/>
-              </a:ext>
-            </a:extLst>
-          </p:cNvPr>
-          <p:cNvSpPr>
-            <a:spLocks noGrp="1"/>
-          </p:cNvSpPr>
-          <p:nvPr>
-            <p:ph type="subTitle" idx="1"/>
-          </p:nvPr>
-        </p:nvSpPr>
-        <p:spPr>
-          <a:xfrm>
-            <a:off x="2619375" y="2152650"/>
-            <a:ext cx="6953250" cy="3486150"/>
-          </a:xfrm>
-        </p:spPr>
-        <p:txBody>
-          <a:bodyPr anchor="t">
-            <a:normAutofit/>
-          </a:bodyPr>
-          <a:lstStyle/>
-          <a:p>
-            <a:pPr marL="342900" indent="-342900">
-              <a:buFontTx/>
-              <a:buChar char="-"/>
-            </a:pPr>
-            <a:r>
-              <a:rPr lang="fr-FR" dirty="0"/>
-              <a:t>Difficultés rencontrées</a:t>
-            </a:r>
-          </a:p>
-          <a:p>
-            <a:pPr marL="342900" indent="-342900">
-              <a:buFontTx/>
-              <a:buChar char="-"/>
-            </a:pPr>
-            <a:r>
-              <a:rPr lang="fr-FR" dirty="0"/>
-              <a:t>Solutions </a:t>
-            </a:r>
-          </a:p>
-          <a:p>
-            <a:pPr marL="342900" indent="-342900">
-              <a:buFontTx/>
-              <a:buChar char="-"/>
-            </a:pPr>
             <a:endParaRPr lang="fr-FR" dirty="0"/>
           </a:p>
         </p:txBody>
@@ -15036,7 +14995,7 @@
             </a:pPr>
             <a:r>
               <a:rPr lang="fr-FR" dirty="0"/>
-              <a:t>Prévisions météo</a:t>
+              <a:t>Prévisions météo (regarder si OPM le fait éventuellement le coût)</a:t>
             </a:r>
           </a:p>
         </p:txBody>
@@ -16340,6 +16299,32 @@
             </a:pPr>
             <a:r>
               <a:rPr lang="fr-FR" dirty="0"/>
+              <a:t>Python / PHP / </a:t>
+            </a:r>
+            <a:r>
+              <a:rPr lang="fr-FR" dirty="0" err="1"/>
+              <a:t>MariaDB</a:t>
+            </a:r>
+            <a:endParaRPr lang="fr-FR" dirty="0"/>
+          </a:p>
+          <a:p>
+            <a:pPr marL="342900" indent="-342900">
+              <a:buFontTx/>
+              <a:buChar char="-"/>
+            </a:pPr>
+            <a:r>
+              <a:rPr lang="fr-FR" dirty="0" err="1"/>
+              <a:t>Github</a:t>
+            </a:r>
+            <a:endParaRPr lang="fr-FR" dirty="0"/>
+          </a:p>
+          <a:p>
+            <a:pPr marL="342900" indent="-342900">
+              <a:buFontTx/>
+              <a:buChar char="-"/>
+            </a:pPr>
+            <a:r>
+              <a:rPr lang="fr-FR" dirty="0"/>
               <a:t>Répartition des tâches</a:t>
             </a:r>
           </a:p>
@@ -16360,32 +16345,6 @@
               <a:rPr lang="fr-FR" dirty="0"/>
               <a:t> (évolutions individuelles, problématiques rencontrées)</a:t>
             </a:r>
-          </a:p>
-          <a:p>
-            <a:pPr marL="342900" indent="-342900">
-              <a:buFontTx/>
-              <a:buChar char="-"/>
-            </a:pPr>
-            <a:r>
-              <a:rPr lang="fr-FR" dirty="0" err="1"/>
-              <a:t>Github</a:t>
-            </a:r>
-            <a:endParaRPr lang="fr-FR" dirty="0"/>
-          </a:p>
-          <a:p>
-            <a:pPr marL="342900" indent="-342900">
-              <a:buFontTx/>
-              <a:buChar char="-"/>
-            </a:pPr>
-            <a:r>
-              <a:rPr lang="fr-FR" dirty="0"/>
-              <a:t>Python / PHP / </a:t>
-            </a:r>
-            <a:r>
-              <a:rPr lang="fr-FR" dirty="0" err="1"/>
-              <a:t>MariaDB</a:t>
-            </a:r>
-            <a:endParaRPr lang="fr-FR" dirty="0"/>
           </a:p>
           <a:p>
             <a:pPr marL="342900" indent="-342900">

--- a/Présentation CUBE 2.pptx
+++ b/Présentation CUBE 2.pptx
@@ -127,7 +127,7 @@
 <file path=ppt/revisionInfo.xml><?xml version="1.0" encoding="utf-8"?>
 <p1510:revInfo xmlns:a="http://schemas.openxmlformats.org/drawingml/2006/main" xmlns:r="http://schemas.openxmlformats.org/officeDocument/2006/relationships" xmlns:p1510="http://schemas.microsoft.com/office/powerpoint/2015/10/main">
   <p1510:revLst>
-    <p1510:client id="{E410CC85-CE06-492B-ABD1-1BF9FA65696E}" v="3" dt="2023-03-14T15:55:33.625"/>
+    <p1510:client id="{E410CC85-CE06-492B-ABD1-1BF9FA65696E}" v="5" dt="2023-03-15T12:53:40.785"/>
   </p1510:revLst>
 </p1510:revInfo>
 </file>
@@ -137,16 +137,24 @@
   <pc:docChgLst>
     <pc:chgData name="Adeline Fernandez" userId="dab5bb2eb88bd76e" providerId="LiveId" clId="{E410CC85-CE06-492B-ABD1-1BF9FA65696E}"/>
     <pc:docChg chg="undo custSel modSld sldOrd">
-      <pc:chgData name="Adeline Fernandez" userId="dab5bb2eb88bd76e" providerId="LiveId" clId="{E410CC85-CE06-492B-ABD1-1BF9FA65696E}" dt="2023-03-15T11:01:24.357" v="873" actId="14100"/>
+      <pc:chgData name="Adeline Fernandez" userId="dab5bb2eb88bd76e" providerId="LiveId" clId="{E410CC85-CE06-492B-ABD1-1BF9FA65696E}" dt="2023-03-15T12:54:17.458" v="891" actId="1582"/>
       <pc:docMkLst>
         <pc:docMk/>
       </pc:docMkLst>
       <pc:sldChg chg="modSp mod">
-        <pc:chgData name="Adeline Fernandez" userId="dab5bb2eb88bd76e" providerId="LiveId" clId="{E410CC85-CE06-492B-ABD1-1BF9FA65696E}" dt="2023-03-14T14:50:41.595" v="1" actId="20577"/>
+        <pc:chgData name="Adeline Fernandez" userId="dab5bb2eb88bd76e" providerId="LiveId" clId="{E410CC85-CE06-492B-ABD1-1BF9FA65696E}" dt="2023-03-15T12:41:28.884" v="874" actId="20577"/>
         <pc:sldMkLst>
           <pc:docMk/>
           <pc:sldMk cId="495421651" sldId="258"/>
         </pc:sldMkLst>
+        <pc:spChg chg="mod">
+          <ac:chgData name="Adeline Fernandez" userId="dab5bb2eb88bd76e" providerId="LiveId" clId="{E410CC85-CE06-492B-ABD1-1BF9FA65696E}" dt="2023-03-15T12:41:28.884" v="874" actId="20577"/>
+          <ac:spMkLst>
+            <pc:docMk/>
+            <pc:sldMk cId="495421651" sldId="258"/>
+            <ac:spMk id="2" creationId="{8AAC8793-2459-E680-2673-DA71B6BD3198}"/>
+          </ac:spMkLst>
+        </pc:spChg>
         <pc:spChg chg="mod">
           <ac:chgData name="Adeline Fernandez" userId="dab5bb2eb88bd76e" providerId="LiveId" clId="{E410CC85-CE06-492B-ABD1-1BF9FA65696E}" dt="2023-03-14T14:50:41.595" v="1" actId="20577"/>
           <ac:spMkLst>
@@ -226,18 +234,26 @@
           </ac:picMkLst>
         </pc:picChg>
       </pc:sldChg>
-      <pc:sldChg chg="modSp mod">
-        <pc:chgData name="Adeline Fernandez" userId="dab5bb2eb88bd76e" providerId="LiveId" clId="{E410CC85-CE06-492B-ABD1-1BF9FA65696E}" dt="2023-03-14T16:05:40.708" v="247" actId="120"/>
+      <pc:sldChg chg="addSp delSp modSp mod">
+        <pc:chgData name="Adeline Fernandez" userId="dab5bb2eb88bd76e" providerId="LiveId" clId="{E410CC85-CE06-492B-ABD1-1BF9FA65696E}" dt="2023-03-15T12:54:17.458" v="891" actId="1582"/>
         <pc:sldMkLst>
           <pc:docMk/>
           <pc:sldMk cId="3762045951" sldId="261"/>
         </pc:sldMkLst>
-        <pc:spChg chg="mod">
-          <ac:chgData name="Adeline Fernandez" userId="dab5bb2eb88bd76e" providerId="LiveId" clId="{E410CC85-CE06-492B-ABD1-1BF9FA65696E}" dt="2023-03-14T16:05:40.708" v="247" actId="120"/>
+        <pc:spChg chg="del mod">
+          <ac:chgData name="Adeline Fernandez" userId="dab5bb2eb88bd76e" providerId="LiveId" clId="{E410CC85-CE06-492B-ABD1-1BF9FA65696E}" dt="2023-03-15T12:53:44.399" v="884" actId="478"/>
           <ac:spMkLst>
             <pc:docMk/>
             <pc:sldMk cId="3762045951" sldId="261"/>
             <ac:spMk id="3" creationId="{BBD81D5C-493E-78B1-6616-F151FFE650EA}"/>
+          </ac:spMkLst>
+        </pc:spChg>
+        <pc:spChg chg="add mod">
+          <ac:chgData name="Adeline Fernandez" userId="dab5bb2eb88bd76e" providerId="LiveId" clId="{E410CC85-CE06-492B-ABD1-1BF9FA65696E}" dt="2023-03-15T12:54:17.458" v="891" actId="1582"/>
+          <ac:spMkLst>
+            <pc:docMk/>
+            <pc:sldMk cId="3762045951" sldId="261"/>
+            <ac:spMk id="10" creationId="{04C2A675-1782-A006-0A52-B02364462A14}"/>
           </ac:spMkLst>
         </pc:spChg>
         <pc:picChg chg="mod">
@@ -246,6 +262,22 @@
             <pc:docMk/>
             <pc:sldMk cId="3762045951" sldId="261"/>
             <ac:picMk id="5" creationId="{E6742EDC-E73E-6ACD-B581-F4706B466BBB}"/>
+          </ac:picMkLst>
+        </pc:picChg>
+        <pc:picChg chg="add mod">
+          <ac:chgData name="Adeline Fernandez" userId="dab5bb2eb88bd76e" providerId="LiveId" clId="{E410CC85-CE06-492B-ABD1-1BF9FA65696E}" dt="2023-03-15T12:53:37.464" v="879" actId="962"/>
+          <ac:picMkLst>
+            <pc:docMk/>
+            <pc:sldMk cId="3762045951" sldId="261"/>
+            <ac:picMk id="7" creationId="{67F3A505-744F-94C1-FFBB-9C86BDB3D9B4}"/>
+          </ac:picMkLst>
+        </pc:picChg>
+        <pc:picChg chg="add mod">
+          <ac:chgData name="Adeline Fernandez" userId="dab5bb2eb88bd76e" providerId="LiveId" clId="{E410CC85-CE06-492B-ABD1-1BF9FA65696E}" dt="2023-03-15T12:53:51.053" v="886" actId="1076"/>
+          <ac:picMkLst>
+            <pc:docMk/>
+            <pc:sldMk cId="3762045951" sldId="261"/>
+            <ac:picMk id="9" creationId="{6B134D48-B98C-5F39-3059-19F9BD71B97B}"/>
           </ac:picMkLst>
         </pc:picChg>
       </pc:sldChg>
@@ -6941,7 +6973,7 @@
               <a:rPr lang="fr-FR" sz="6000" dirty="0">
                 <a:latin typeface="Amasis MT Pro Medium" panose="02040604050005020304" pitchFamily="18" charset="0"/>
               </a:rPr>
-              <a:t>Matériel et Tests</a:t>
+              <a:t>Matériel</a:t>
             </a:r>
             <a:endParaRPr lang="fr-FR" dirty="0"/>
           </a:p>
@@ -10957,62 +10989,6 @@
       </p:sp>
       <p:sp>
         <p:nvSpPr>
-          <p:cNvPr id="3" name="Sous-titre 2">
-            <a:extLst>
-              <a:ext uri="{FF2B5EF4-FFF2-40B4-BE49-F238E27FC236}">
-                <a16:creationId xmlns:a16="http://schemas.microsoft.com/office/drawing/2014/main" id="{BBD81D5C-493E-78B1-6616-F151FFE650EA}"/>
-              </a:ext>
-            </a:extLst>
-          </p:cNvPr>
-          <p:cNvSpPr>
-            <a:spLocks noGrp="1"/>
-          </p:cNvSpPr>
-          <p:nvPr>
-            <p:ph type="subTitle" idx="1"/>
-          </p:nvPr>
-        </p:nvSpPr>
-        <p:spPr>
-          <a:xfrm>
-            <a:off x="3194995" y="2389707"/>
-            <a:ext cx="6012995" cy="1184987"/>
-          </a:xfrm>
-        </p:spPr>
-        <p:txBody>
-          <a:bodyPr anchor="t">
-            <a:normAutofit/>
-          </a:bodyPr>
-          <a:lstStyle/>
-          <a:p>
-            <a:pPr marL="342900" indent="-342900" algn="l">
-              <a:buFontTx/>
-              <a:buChar char="-"/>
-            </a:pPr>
-            <a:r>
-              <a:rPr lang="fr-FR" dirty="0"/>
-              <a:t>Création d’une base</a:t>
-            </a:r>
-          </a:p>
-          <a:p>
-            <a:pPr marL="342900" indent="-342900" algn="l">
-              <a:buFontTx/>
-              <a:buChar char="-"/>
-            </a:pPr>
-            <a:r>
-              <a:rPr lang="fr-FR" dirty="0"/>
-              <a:t>Création d’une table </a:t>
-            </a:r>
-          </a:p>
-          <a:p>
-            <a:pPr marL="342900" indent="-342900" algn="l">
-              <a:buFontTx/>
-              <a:buChar char="-"/>
-            </a:pPr>
-            <a:endParaRPr lang="fr-FR" dirty="0"/>
-          </a:p>
-        </p:txBody>
-      </p:sp>
-      <p:sp>
-        <p:nvSpPr>
           <p:cNvPr id="6" name="Espace réservé du numéro de diapositive 5">
             <a:extLst>
               <a:ext uri="{FF2B5EF4-FFF2-40B4-BE49-F238E27FC236}">
@@ -11036,6 +11012,127 @@
               <a:rPr lang="fr-FR" smtClean="0"/>
               <a:t>5</a:t>
             </a:fld>
+            <a:endParaRPr lang="fr-FR"/>
+          </a:p>
+        </p:txBody>
+      </p:sp>
+      <p:pic>
+        <p:nvPicPr>
+          <p:cNvPr id="7" name="Image 6" descr="Une image contenant texte, lettre&#10;&#10;Description générée automatiquement">
+            <a:extLst>
+              <a:ext uri="{FF2B5EF4-FFF2-40B4-BE49-F238E27FC236}">
+                <a16:creationId xmlns:a16="http://schemas.microsoft.com/office/drawing/2014/main" id="{67F3A505-744F-94C1-FFBB-9C86BDB3D9B4}"/>
+              </a:ext>
+            </a:extLst>
+          </p:cNvPr>
+          <p:cNvPicPr>
+            <a:picLocks noChangeAspect="1"/>
+          </p:cNvPicPr>
+          <p:nvPr/>
+        </p:nvPicPr>
+        <p:blipFill>
+          <a:blip r:embed="rId3">
+            <a:extLst>
+              <a:ext uri="{28A0092B-C50C-407E-A947-70E740481C1C}">
+                <a14:useLocalDpi xmlns:a14="http://schemas.microsoft.com/office/drawing/2010/main" val="0"/>
+              </a:ext>
+            </a:extLst>
+          </a:blip>
+          <a:stretch>
+            <a:fillRect/>
+          </a:stretch>
+        </p:blipFill>
+        <p:spPr>
+          <a:xfrm>
+            <a:off x="2228666" y="1976340"/>
+            <a:ext cx="2933700" cy="3371850"/>
+          </a:xfrm>
+          <a:prstGeom prst="rect">
+            <a:avLst/>
+          </a:prstGeom>
+        </p:spPr>
+      </p:pic>
+      <p:pic>
+        <p:nvPicPr>
+          <p:cNvPr id="9" name="Image 8" descr="Une image contenant texte, lettre, tableau blanc&#10;&#10;Description générée automatiquement">
+            <a:extLst>
+              <a:ext uri="{FF2B5EF4-FFF2-40B4-BE49-F238E27FC236}">
+                <a16:creationId xmlns:a16="http://schemas.microsoft.com/office/drawing/2014/main" id="{6B134D48-B98C-5F39-3059-19F9BD71B97B}"/>
+              </a:ext>
+            </a:extLst>
+          </p:cNvPr>
+          <p:cNvPicPr>
+            <a:picLocks noChangeAspect="1"/>
+          </p:cNvPicPr>
+          <p:nvPr/>
+        </p:nvPicPr>
+        <p:blipFill>
+          <a:blip r:embed="rId4">
+            <a:extLst>
+              <a:ext uri="{28A0092B-C50C-407E-A947-70E740481C1C}">
+                <a14:useLocalDpi xmlns:a14="http://schemas.microsoft.com/office/drawing/2010/main" val="0"/>
+              </a:ext>
+            </a:extLst>
+          </a:blip>
+          <a:stretch>
+            <a:fillRect/>
+          </a:stretch>
+        </p:blipFill>
+        <p:spPr>
+          <a:xfrm>
+            <a:off x="6931022" y="2025650"/>
+            <a:ext cx="2809875" cy="3267075"/>
+          </a:xfrm>
+          <a:prstGeom prst="rect">
+            <a:avLst/>
+          </a:prstGeom>
+        </p:spPr>
+      </p:pic>
+      <p:sp>
+        <p:nvSpPr>
+          <p:cNvPr id="10" name="Flèche : droite 9">
+            <a:extLst>
+              <a:ext uri="{FF2B5EF4-FFF2-40B4-BE49-F238E27FC236}">
+                <a16:creationId xmlns:a16="http://schemas.microsoft.com/office/drawing/2014/main" id="{04C2A675-1782-A006-0A52-B02364462A14}"/>
+              </a:ext>
+            </a:extLst>
+          </p:cNvPr>
+          <p:cNvSpPr/>
+          <p:nvPr/>
+        </p:nvSpPr>
+        <p:spPr>
+          <a:xfrm>
+            <a:off x="5639491" y="3189414"/>
+            <a:ext cx="978408" cy="484632"/>
+          </a:xfrm>
+          <a:prstGeom prst="rightArrow">
+            <a:avLst/>
+          </a:prstGeom>
+          <a:ln w="19050">
+            <a:solidFill>
+              <a:schemeClr val="tx1"/>
+            </a:solidFill>
+          </a:ln>
+        </p:spPr>
+        <p:style>
+          <a:lnRef idx="2">
+            <a:schemeClr val="accent6"/>
+          </a:lnRef>
+          <a:fillRef idx="1">
+            <a:schemeClr val="lt1"/>
+          </a:fillRef>
+          <a:effectRef idx="0">
+            <a:schemeClr val="accent6"/>
+          </a:effectRef>
+          <a:fontRef idx="minor">
+            <a:schemeClr val="dk1"/>
+          </a:fontRef>
+        </p:style>
+        <p:txBody>
+          <a:bodyPr rtlCol="0" anchor="ctr"/>
+          <a:lstStyle/>
+          <a:p>
+            <a:pPr algn="ctr"/>
             <a:endParaRPr lang="fr-FR"/>
           </a:p>
         </p:txBody>

--- a/Présentation CUBE 2.pptx
+++ b/Présentation CUBE 2.pptx
@@ -127,7 +127,7 @@
 <file path=ppt/revisionInfo.xml><?xml version="1.0" encoding="utf-8"?>
 <p1510:revInfo xmlns:a="http://schemas.openxmlformats.org/drawingml/2006/main" xmlns:r="http://schemas.openxmlformats.org/officeDocument/2006/relationships" xmlns:p1510="http://schemas.microsoft.com/office/powerpoint/2015/10/main">
   <p1510:revLst>
-    <p1510:client id="{E410CC85-CE06-492B-ABD1-1BF9FA65696E}" v="5" dt="2023-03-15T12:53:40.785"/>
+    <p1510:client id="{E410CC85-CE06-492B-ABD1-1BF9FA65696E}" v="8" dt="2023-03-15T12:59:37.750"/>
   </p1510:revLst>
 </p1510:revInfo>
 </file>
@@ -137,7 +137,7 @@
   <pc:docChgLst>
     <pc:chgData name="Adeline Fernandez" userId="dab5bb2eb88bd76e" providerId="LiveId" clId="{E410CC85-CE06-492B-ABD1-1BF9FA65696E}"/>
     <pc:docChg chg="undo custSel modSld sldOrd">
-      <pc:chgData name="Adeline Fernandez" userId="dab5bb2eb88bd76e" providerId="LiveId" clId="{E410CC85-CE06-492B-ABD1-1BF9FA65696E}" dt="2023-03-15T12:54:17.458" v="891" actId="1582"/>
+      <pc:chgData name="Adeline Fernandez" userId="dab5bb2eb88bd76e" providerId="LiveId" clId="{E410CC85-CE06-492B-ABD1-1BF9FA65696E}" dt="2023-03-15T13:06:36.175" v="900" actId="1036"/>
       <pc:docMkLst>
         <pc:docMk/>
       </pc:docMkLst>
@@ -165,7 +165,7 @@
         </pc:spChg>
       </pc:sldChg>
       <pc:sldChg chg="addSp delSp modSp mod ord">
-        <pc:chgData name="Adeline Fernandez" userId="dab5bb2eb88bd76e" providerId="LiveId" clId="{E410CC85-CE06-492B-ABD1-1BF9FA65696E}" dt="2023-03-14T15:57:41.007" v="104" actId="1076"/>
+        <pc:chgData name="Adeline Fernandez" userId="dab5bb2eb88bd76e" providerId="LiveId" clId="{E410CC85-CE06-492B-ABD1-1BF9FA65696E}" dt="2023-03-15T13:06:36.175" v="900" actId="1036"/>
         <pc:sldMkLst>
           <pc:docMk/>
           <pc:sldMk cId="1182368662" sldId="259"/>
@@ -186,20 +186,36 @@
             <ac:spMk id="10" creationId="{BA489AB2-FD64-74F4-F3A8-BDB580FD41F9}"/>
           </ac:spMkLst>
         </pc:spChg>
+        <pc:picChg chg="add del mod">
+          <ac:chgData name="Adeline Fernandez" userId="dab5bb2eb88bd76e" providerId="LiveId" clId="{E410CC85-CE06-492B-ABD1-1BF9FA65696E}" dt="2023-03-15T12:59:27.176" v="894" actId="931"/>
+          <ac:picMkLst>
+            <pc:docMk/>
+            <pc:sldMk cId="1182368662" sldId="259"/>
+            <ac:picMk id="4" creationId="{A3667415-2C43-4121-CE0E-091A8EFE34D6}"/>
+          </ac:picMkLst>
+        </pc:picChg>
         <pc:picChg chg="mod">
-          <ac:chgData name="Adeline Fernandez" userId="dab5bb2eb88bd76e" providerId="LiveId" clId="{E410CC85-CE06-492B-ABD1-1BF9FA65696E}" dt="2023-03-14T14:59:16.325" v="7" actId="1076"/>
+          <ac:chgData name="Adeline Fernandez" userId="dab5bb2eb88bd76e" providerId="LiveId" clId="{E410CC85-CE06-492B-ABD1-1BF9FA65696E}" dt="2023-03-15T13:06:36.175" v="900" actId="1036"/>
           <ac:picMkLst>
             <pc:docMk/>
             <pc:sldMk cId="1182368662" sldId="259"/>
             <ac:picMk id="5" creationId="{E6742EDC-E73E-6ACD-B581-F4706B466BBB}"/>
           </ac:picMkLst>
         </pc:picChg>
-        <pc:picChg chg="add mod">
-          <ac:chgData name="Adeline Fernandez" userId="dab5bb2eb88bd76e" providerId="LiveId" clId="{E410CC85-CE06-492B-ABD1-1BF9FA65696E}" dt="2023-03-14T15:57:41.007" v="104" actId="1076"/>
+        <pc:picChg chg="add del mod">
+          <ac:chgData name="Adeline Fernandez" userId="dab5bb2eb88bd76e" providerId="LiveId" clId="{E410CC85-CE06-492B-ABD1-1BF9FA65696E}" dt="2023-03-15T12:58:56.611" v="892" actId="478"/>
           <ac:picMkLst>
             <pc:docMk/>
             <pc:sldMk cId="1182368662" sldId="259"/>
             <ac:picMk id="7" creationId="{BD2F5658-7F7E-34D3-03F6-923D987D50E5}"/>
+          </ac:picMkLst>
+        </pc:picChg>
+        <pc:picChg chg="add mod">
+          <ac:chgData name="Adeline Fernandez" userId="dab5bb2eb88bd76e" providerId="LiveId" clId="{E410CC85-CE06-492B-ABD1-1BF9FA65696E}" dt="2023-03-15T12:59:40.070" v="898" actId="1076"/>
+          <ac:picMkLst>
+            <pc:docMk/>
+            <pc:sldMk cId="1182368662" sldId="259"/>
+            <ac:picMk id="9" creationId="{836AF045-0B45-FACA-B08F-4F2F17EF37C0}"/>
           </ac:picMkLst>
         </pc:picChg>
         <pc:picChg chg="add del mod">
@@ -7333,7 +7349,7 @@
         </p:blipFill>
         <p:spPr>
           <a:xfrm>
-            <a:off x="3048" y="-35592"/>
+            <a:off x="3048" y="-16542"/>
             <a:ext cx="12188952" cy="6857990"/>
           </a:xfrm>
           <a:prstGeom prst="rect">
@@ -8436,10 +8452,10 @@
       </p:sp>
       <p:pic>
         <p:nvPicPr>
-          <p:cNvPr id="7" name="Image 6" descr="Une image contenant texte&#10;&#10;Description générée automatiquement">
+          <p:cNvPr id="9" name="Image 8" descr="Une image contenant texte&#10;&#10;Description générée automatiquement">
             <a:extLst>
               <a:ext uri="{FF2B5EF4-FFF2-40B4-BE49-F238E27FC236}">
-                <a16:creationId xmlns:a16="http://schemas.microsoft.com/office/drawing/2014/main" id="{BD2F5658-7F7E-34D3-03F6-923D987D50E5}"/>
+                <a16:creationId xmlns:a16="http://schemas.microsoft.com/office/drawing/2014/main" id="{836AF045-0B45-FACA-B08F-4F2F17EF37C0}"/>
               </a:ext>
             </a:extLst>
           </p:cNvPr>
@@ -8462,8 +8478,8 @@
         </p:blipFill>
         <p:spPr>
           <a:xfrm>
-            <a:off x="2511490" y="2453073"/>
-            <a:ext cx="7508263" cy="3291869"/>
+            <a:off x="1951834" y="2213455"/>
+            <a:ext cx="8565622" cy="3574090"/>
           </a:xfrm>
           <a:prstGeom prst="rect">
             <a:avLst/>

--- a/Présentation CUBE 2.pptx
+++ b/Présentation CUBE 2.pptx
@@ -136,13 +136,13 @@
 <pc:chgInfo xmlns:a="http://schemas.openxmlformats.org/drawingml/2006/main" xmlns:r="http://schemas.openxmlformats.org/officeDocument/2006/relationships" xmlns:ac="http://schemas.microsoft.com/office/drawing/2013/main/command" xmlns:pc="http://schemas.microsoft.com/office/powerpoint/2013/main/command">
   <pc:docChgLst>
     <pc:chgData name="Adeline Fernandez" userId="dab5bb2eb88bd76e" providerId="LiveId" clId="{E410CC85-CE06-492B-ABD1-1BF9FA65696E}"/>
-    <pc:docChg chg="undo custSel modSld sldOrd">
-      <pc:chgData name="Adeline Fernandez" userId="dab5bb2eb88bd76e" providerId="LiveId" clId="{E410CC85-CE06-492B-ABD1-1BF9FA65696E}" dt="2023-03-15T13:06:36.175" v="900" actId="1036"/>
+    <pc:docChg chg="undo custSel addSld delSld modSld sldOrd">
+      <pc:chgData name="Adeline Fernandez" userId="dab5bb2eb88bd76e" providerId="LiveId" clId="{E410CC85-CE06-492B-ABD1-1BF9FA65696E}" dt="2023-03-15T15:31:58.638" v="1100" actId="20577"/>
       <pc:docMkLst>
         <pc:docMk/>
       </pc:docMkLst>
       <pc:sldChg chg="modSp mod">
-        <pc:chgData name="Adeline Fernandez" userId="dab5bb2eb88bd76e" providerId="LiveId" clId="{E410CC85-CE06-492B-ABD1-1BF9FA65696E}" dt="2023-03-15T12:41:28.884" v="874" actId="20577"/>
+        <pc:chgData name="Adeline Fernandez" userId="dab5bb2eb88bd76e" providerId="LiveId" clId="{E410CC85-CE06-492B-ABD1-1BF9FA65696E}" dt="2023-03-15T15:26:26.001" v="1075" actId="20577"/>
         <pc:sldMkLst>
           <pc:docMk/>
           <pc:sldMk cId="495421651" sldId="258"/>
@@ -156,13 +156,29 @@
           </ac:spMkLst>
         </pc:spChg>
         <pc:spChg chg="mod">
-          <ac:chgData name="Adeline Fernandez" userId="dab5bb2eb88bd76e" providerId="LiveId" clId="{E410CC85-CE06-492B-ABD1-1BF9FA65696E}" dt="2023-03-14T14:50:41.595" v="1" actId="20577"/>
+          <ac:chgData name="Adeline Fernandez" userId="dab5bb2eb88bd76e" providerId="LiveId" clId="{E410CC85-CE06-492B-ABD1-1BF9FA65696E}" dt="2023-03-15T15:03:11.074" v="902" actId="20577"/>
           <ac:spMkLst>
             <pc:docMk/>
             <pc:sldMk cId="495421651" sldId="258"/>
             <ac:spMk id="3" creationId="{BBD81D5C-493E-78B1-6616-F151FFE650EA}"/>
           </ac:spMkLst>
         </pc:spChg>
+        <pc:spChg chg="mod">
+          <ac:chgData name="Adeline Fernandez" userId="dab5bb2eb88bd76e" providerId="LiveId" clId="{E410CC85-CE06-492B-ABD1-1BF9FA65696E}" dt="2023-03-15T15:26:26.001" v="1075" actId="20577"/>
+          <ac:spMkLst>
+            <pc:docMk/>
+            <pc:sldMk cId="495421651" sldId="258"/>
+            <ac:spMk id="9" creationId="{492C8E00-8E0A-30A6-2543-CBC1E3285EB4}"/>
+          </ac:spMkLst>
+        </pc:spChg>
+        <pc:picChg chg="mod">
+          <ac:chgData name="Adeline Fernandez" userId="dab5bb2eb88bd76e" providerId="LiveId" clId="{E410CC85-CE06-492B-ABD1-1BF9FA65696E}" dt="2023-03-15T15:23:05.589" v="919" actId="1076"/>
+          <ac:picMkLst>
+            <pc:docMk/>
+            <pc:sldMk cId="495421651" sldId="258"/>
+            <ac:picMk id="5" creationId="{E6742EDC-E73E-6ACD-B581-F4706B466BBB}"/>
+          </ac:picMkLst>
+        </pc:picChg>
       </pc:sldChg>
       <pc:sldChg chg="addSp delSp modSp mod ord">
         <pc:chgData name="Adeline Fernandez" userId="dab5bb2eb88bd76e" providerId="LiveId" clId="{E410CC85-CE06-492B-ABD1-1BF9FA65696E}" dt="2023-03-15T13:06:36.175" v="900" actId="1036"/>
@@ -321,13 +337,13 @@
         </pc:picChg>
       </pc:sldChg>
       <pc:sldChg chg="modSp mod ord">
-        <pc:chgData name="Adeline Fernandez" userId="dab5bb2eb88bd76e" providerId="LiveId" clId="{E410CC85-CE06-492B-ABD1-1BF9FA65696E}" dt="2023-03-15T08:36:55.749" v="352"/>
+        <pc:chgData name="Adeline Fernandez" userId="dab5bb2eb88bd76e" providerId="LiveId" clId="{E410CC85-CE06-492B-ABD1-1BF9FA65696E}" dt="2023-03-15T15:27:58.236" v="1079" actId="20577"/>
         <pc:sldMkLst>
           <pc:docMk/>
           <pc:sldMk cId="2168826528" sldId="263"/>
         </pc:sldMkLst>
         <pc:spChg chg="mod">
-          <ac:chgData name="Adeline Fernandez" userId="dab5bb2eb88bd76e" providerId="LiveId" clId="{E410CC85-CE06-492B-ABD1-1BF9FA65696E}" dt="2023-03-14T16:07:21.302" v="296" actId="120"/>
+          <ac:chgData name="Adeline Fernandez" userId="dab5bb2eb88bd76e" providerId="LiveId" clId="{E410CC85-CE06-492B-ABD1-1BF9FA65696E}" dt="2023-03-15T15:27:58.236" v="1079" actId="20577"/>
           <ac:spMkLst>
             <pc:docMk/>
             <pc:sldMk cId="2168826528" sldId="263"/>
@@ -335,14 +351,14 @@
           </ac:spMkLst>
         </pc:spChg>
       </pc:sldChg>
-      <pc:sldChg chg="modSp mod">
-        <pc:chgData name="Adeline Fernandez" userId="dab5bb2eb88bd76e" providerId="LiveId" clId="{E410CC85-CE06-492B-ABD1-1BF9FA65696E}" dt="2023-03-15T10:57:55.091" v="776" actId="20577"/>
+      <pc:sldChg chg="modSp mod ord">
+        <pc:chgData name="Adeline Fernandez" userId="dab5bb2eb88bd76e" providerId="LiveId" clId="{E410CC85-CE06-492B-ABD1-1BF9FA65696E}" dt="2023-03-15T15:31:58.638" v="1100" actId="20577"/>
         <pc:sldMkLst>
           <pc:docMk/>
           <pc:sldMk cId="2180545974" sldId="264"/>
         </pc:sldMkLst>
         <pc:spChg chg="mod">
-          <ac:chgData name="Adeline Fernandez" userId="dab5bb2eb88bd76e" providerId="LiveId" clId="{E410CC85-CE06-492B-ABD1-1BF9FA65696E}" dt="2023-03-15T10:57:55.091" v="776" actId="20577"/>
+          <ac:chgData name="Adeline Fernandez" userId="dab5bb2eb88bd76e" providerId="LiveId" clId="{E410CC85-CE06-492B-ABD1-1BF9FA65696E}" dt="2023-03-15T15:31:58.638" v="1100" actId="20577"/>
           <ac:spMkLst>
             <pc:docMk/>
             <pc:sldMk cId="2180545974" sldId="264"/>
@@ -390,17 +406,39 @@
         </pc:picChg>
       </pc:sldChg>
       <pc:sldChg chg="modSp mod ord">
-        <pc:chgData name="Adeline Fernandez" userId="dab5bb2eb88bd76e" providerId="LiveId" clId="{E410CC85-CE06-492B-ABD1-1BF9FA65696E}" dt="2023-03-15T10:55:00.716" v="734" actId="20577"/>
+        <pc:chgData name="Adeline Fernandez" userId="dab5bb2eb88bd76e" providerId="LiveId" clId="{E410CC85-CE06-492B-ABD1-1BF9FA65696E}" dt="2023-03-15T15:28:58.546" v="1094" actId="1076"/>
         <pc:sldMkLst>
           <pc:docMk/>
           <pc:sldMk cId="230450834" sldId="266"/>
         </pc:sldMkLst>
         <pc:spChg chg="mod">
-          <ac:chgData name="Adeline Fernandez" userId="dab5bb2eb88bd76e" providerId="LiveId" clId="{E410CC85-CE06-492B-ABD1-1BF9FA65696E}" dt="2023-03-15T10:55:00.716" v="734" actId="20577"/>
+          <ac:chgData name="Adeline Fernandez" userId="dab5bb2eb88bd76e" providerId="LiveId" clId="{E410CC85-CE06-492B-ABD1-1BF9FA65696E}" dt="2023-03-15T15:28:58.546" v="1094" actId="1076"/>
           <ac:spMkLst>
             <pc:docMk/>
             <pc:sldMk cId="230450834" sldId="266"/>
             <ac:spMk id="3" creationId="{BBD81D5C-493E-78B1-6616-F151FFE650EA}"/>
+          </ac:spMkLst>
+        </pc:spChg>
+      </pc:sldChg>
+      <pc:sldChg chg="new del">
+        <pc:chgData name="Adeline Fernandez" userId="dab5bb2eb88bd76e" providerId="LiveId" clId="{E410CC85-CE06-492B-ABD1-1BF9FA65696E}" dt="2023-03-15T15:25:16.057" v="1037" actId="680"/>
+        <pc:sldMkLst>
+          <pc:docMk/>
+          <pc:sldMk cId="138107972" sldId="267"/>
+        </pc:sldMkLst>
+      </pc:sldChg>
+      <pc:sldChg chg="modSp add del mod">
+        <pc:chgData name="Adeline Fernandez" userId="dab5bb2eb88bd76e" providerId="LiveId" clId="{E410CC85-CE06-492B-ABD1-1BF9FA65696E}" dt="2023-03-15T15:26:04.109" v="1066" actId="2890"/>
+        <pc:sldMkLst>
+          <pc:docMk/>
+          <pc:sldMk cId="2657911755" sldId="267"/>
+        </pc:sldMkLst>
+        <pc:spChg chg="mod">
+          <ac:chgData name="Adeline Fernandez" userId="dab5bb2eb88bd76e" providerId="LiveId" clId="{E410CC85-CE06-492B-ABD1-1BF9FA65696E}" dt="2023-03-15T15:26:03.920" v="1065" actId="20577"/>
+          <ac:spMkLst>
+            <pc:docMk/>
+            <pc:sldMk cId="2657911755" sldId="267"/>
+            <ac:spMk id="2" creationId="{8AAC8793-2459-E680-2673-DA71B6BD3198}"/>
           </ac:spMkLst>
         </pc:spChg>
       </pc:sldChg>
@@ -5923,7 +5961,7 @@
         </p:blipFill>
         <p:spPr>
           <a:xfrm>
-            <a:off x="-12104" y="35612"/>
+            <a:off x="3048" y="0"/>
             <a:ext cx="12188952" cy="6857990"/>
           </a:xfrm>
           <a:prstGeom prst="rect">
@@ -7028,7 +7066,7 @@
               <a:rPr lang="en-US" sz="2400" dirty="0">
                 <a:latin typeface="Amasis MT Pro Medium" panose="02040604050005020304" pitchFamily="18" charset="0"/>
               </a:rPr>
-              <a:t>- Raspberry Pi</a:t>
+              <a:t>- Raspberry Pi 4</a:t>
             </a:r>
           </a:p>
           <a:p>
@@ -7101,7 +7139,7 @@
         <p:spPr>
           <a:xfrm>
             <a:off x="5724331" y="2736823"/>
-            <a:ext cx="6293498" cy="1200329"/>
+            <a:ext cx="6293498" cy="461665"/>
           </a:xfrm>
           <a:prstGeom prst="rect">
             <a:avLst/>
@@ -7121,47 +7159,7 @@
               <a:rPr lang="en-US" sz="2400" dirty="0">
                 <a:latin typeface="Amasis MT Pro Medium" panose="02040604050005020304" pitchFamily="18" charset="0"/>
               </a:rPr>
-              <a:t>- </a:t>
-            </a:r>
-            <a:r>
-              <a:rPr lang="en-US" sz="2400" dirty="0" err="1">
-                <a:latin typeface="Amasis MT Pro Medium" panose="02040604050005020304" pitchFamily="18" charset="0"/>
-              </a:rPr>
-              <a:t>Branchements</a:t>
-            </a:r>
-            <a:endParaRPr lang="en-US" sz="2400" dirty="0">
-              <a:latin typeface="Amasis MT Pro Medium" panose="02040604050005020304" pitchFamily="18" charset="0"/>
-            </a:endParaRPr>
-          </a:p>
-          <a:p>
-            <a:pPr marL="0" indent="0" algn="l">
-              <a:buNone/>
-            </a:pPr>
-            <a:r>
-              <a:rPr lang="en-US" sz="2400" dirty="0">
-                <a:latin typeface="Amasis MT Pro Medium" panose="02040604050005020304" pitchFamily="18" charset="0"/>
-              </a:rPr>
-              <a:t>- Installation et configuration de </a:t>
-            </a:r>
-            <a:r>
-              <a:rPr lang="en-US" sz="2400" dirty="0" err="1">
-                <a:latin typeface="Amasis MT Pro Medium" panose="02040604050005020304" pitchFamily="18" charset="0"/>
-              </a:rPr>
-              <a:t>l’OS</a:t>
-            </a:r>
-            <a:endParaRPr lang="en-US" sz="2400" dirty="0">
-              <a:latin typeface="Amasis MT Pro Medium" panose="02040604050005020304" pitchFamily="18" charset="0"/>
-            </a:endParaRPr>
-          </a:p>
-          <a:p>
-            <a:pPr marL="0" indent="0" algn="l">
-              <a:buNone/>
-            </a:pPr>
-            <a:r>
-              <a:rPr lang="en-US" sz="2400" dirty="0">
-                <a:latin typeface="Amasis MT Pro Medium" panose="02040604050005020304" pitchFamily="18" charset="0"/>
-              </a:rPr>
-              <a:t>- </a:t>
+              <a:t>- Debian 11 Bullseye</a:t>
             </a:r>
           </a:p>
         </p:txBody>
@@ -13784,7 +13782,7 @@
             </a:pPr>
             <a:r>
               <a:rPr lang="fr-FR" dirty="0"/>
-              <a:t>HTML / CSS</a:t>
+              <a:t>HTML </a:t>
             </a:r>
           </a:p>
           <a:p>
@@ -13794,7 +13792,17 @@
             </a:pPr>
             <a:r>
               <a:rPr lang="fr-FR" dirty="0"/>
-              <a:t>PHP pour affichage des données</a:t>
+              <a:t>CSS</a:t>
+            </a:r>
+          </a:p>
+          <a:p>
+            <a:pPr marL="342900" indent="-342900" algn="l">
+              <a:buFontTx/>
+              <a:buChar char="-"/>
+            </a:pPr>
+            <a:r>
+              <a:rPr lang="fr-FR" dirty="0"/>
+              <a:t>PHP</a:t>
             </a:r>
           </a:p>
         </p:txBody>
@@ -15072,8 +15080,8 @@
         </p:nvSpPr>
         <p:spPr>
           <a:xfrm>
-            <a:off x="2619375" y="1889183"/>
-            <a:ext cx="6953250" cy="3749617"/>
+            <a:off x="2619375" y="1990783"/>
+            <a:ext cx="6953250" cy="3057955"/>
           </a:xfrm>
         </p:spPr>
         <p:txBody>
@@ -15082,7 +15090,7 @@
           </a:bodyPr>
           <a:lstStyle/>
           <a:p>
-            <a:pPr marL="342900" indent="-342900">
+            <a:pPr marL="342900" indent="-342900" algn="l">
               <a:buFontTx/>
               <a:buChar char="-"/>
             </a:pPr>
@@ -15092,7 +15100,7 @@
             </a:r>
           </a:p>
           <a:p>
-            <a:pPr marL="342900" indent="-342900">
+            <a:pPr marL="342900" indent="-342900" algn="l">
               <a:buFontTx/>
               <a:buChar char="-"/>
             </a:pPr>
@@ -15102,13 +15110,23 @@
             </a:r>
           </a:p>
           <a:p>
-            <a:pPr marL="342900" indent="-342900">
+            <a:pPr marL="342900" indent="-342900" algn="l">
               <a:buFontTx/>
               <a:buChar char="-"/>
             </a:pPr>
             <a:r>
               <a:rPr lang="fr-FR" dirty="0"/>
               <a:t>Prévisions météo (regarder si OPM le fait éventuellement le coût)</a:t>
+            </a:r>
+          </a:p>
+          <a:p>
+            <a:pPr marL="342900" indent="-342900" algn="l">
+              <a:buFontTx/>
+              <a:buChar char="-"/>
+            </a:pPr>
+            <a:r>
+              <a:rPr lang="fr-FR" dirty="0"/>
+              <a:t>Application</a:t>
             </a:r>
           </a:p>
         </p:txBody>
@@ -16396,7 +16414,7 @@
           </a:bodyPr>
           <a:lstStyle/>
           <a:p>
-            <a:pPr marL="342900" indent="-342900">
+            <a:pPr marL="342900" indent="-342900" algn="l">
               <a:buFontTx/>
               <a:buChar char="-"/>
             </a:pPr>
@@ -16406,22 +16424,7 @@
             </a:r>
           </a:p>
           <a:p>
-            <a:pPr marL="342900" indent="-342900">
-              <a:buFontTx/>
-              <a:buChar char="-"/>
-            </a:pPr>
-            <a:r>
-              <a:rPr lang="fr-FR" dirty="0"/>
-              <a:t>Python / PHP / </a:t>
-            </a:r>
-            <a:r>
-              <a:rPr lang="fr-FR" dirty="0" err="1"/>
-              <a:t>MariaDB</a:t>
-            </a:r>
-            <a:endParaRPr lang="fr-FR" dirty="0"/>
-          </a:p>
-          <a:p>
-            <a:pPr marL="342900" indent="-342900">
+            <a:pPr marL="342900" indent="-342900" algn="l">
               <a:buFontTx/>
               <a:buChar char="-"/>
             </a:pPr>
@@ -16432,7 +16435,7 @@
             <a:endParaRPr lang="fr-FR" dirty="0"/>
           </a:p>
           <a:p>
-            <a:pPr marL="342900" indent="-342900">
+            <a:pPr marL="342900" indent="-342900" algn="l">
               <a:buFontTx/>
               <a:buChar char="-"/>
             </a:pPr>
@@ -16442,7 +16445,7 @@
             </a:r>
           </a:p>
           <a:p>
-            <a:pPr marL="342900" indent="-342900">
+            <a:pPr marL="342900" indent="-342900" algn="l">
               <a:buFontTx/>
               <a:buChar char="-"/>
             </a:pPr>
@@ -16454,16 +16457,6 @@
               <a:rPr lang="fr-FR" dirty="0" err="1"/>
               <a:t>bi-mensuelles</a:t>
             </a:r>
-            <a:r>
-              <a:rPr lang="fr-FR" dirty="0"/>
-              <a:t> (évolutions individuelles, problématiques rencontrées)</a:t>
-            </a:r>
-          </a:p>
-          <a:p>
-            <a:pPr marL="342900" indent="-342900">
-              <a:buFontTx/>
-              <a:buChar char="-"/>
-            </a:pPr>
             <a:endParaRPr lang="fr-FR" dirty="0"/>
           </a:p>
         </p:txBody>

--- a/Présentation CUBE 2.pptx
+++ b/Présentation CUBE 2.pptx
@@ -127,7 +127,7 @@
 <file path=ppt/revisionInfo.xml><?xml version="1.0" encoding="utf-8"?>
 <p1510:revInfo xmlns:a="http://schemas.openxmlformats.org/drawingml/2006/main" xmlns:r="http://schemas.openxmlformats.org/officeDocument/2006/relationships" xmlns:p1510="http://schemas.microsoft.com/office/powerpoint/2015/10/main">
   <p1510:revLst>
-    <p1510:client id="{E410CC85-CE06-492B-ABD1-1BF9FA65696E}" v="3" dt="2023-03-14T15:55:33.625"/>
+    <p1510:client id="{E410CC85-CE06-492B-ABD1-1BF9FA65696E}" v="5" dt="2023-03-15T15:47:18.162"/>
   </p1510:revLst>
 </p1510:revInfo>
 </file>
@@ -137,12 +137,12 @@
   <pc:docChgLst>
     <pc:chgData name="Adeline Fernandez" userId="dab5bb2eb88bd76e" providerId="LiveId" clId="{E410CC85-CE06-492B-ABD1-1BF9FA65696E}"/>
     <pc:docChg chg="undo custSel modSld sldOrd">
-      <pc:chgData name="Adeline Fernandez" userId="dab5bb2eb88bd76e" providerId="LiveId" clId="{E410CC85-CE06-492B-ABD1-1BF9FA65696E}" dt="2023-03-15T11:01:24.357" v="873" actId="14100"/>
+      <pc:chgData name="Adeline Fernandez" userId="dab5bb2eb88bd76e" providerId="LiveId" clId="{E410CC85-CE06-492B-ABD1-1BF9FA65696E}" dt="2023-03-15T15:49:15.973" v="960" actId="20577"/>
       <pc:docMkLst>
         <pc:docMk/>
       </pc:docMkLst>
       <pc:sldChg chg="modSp mod">
-        <pc:chgData name="Adeline Fernandez" userId="dab5bb2eb88bd76e" providerId="LiveId" clId="{E410CC85-CE06-492B-ABD1-1BF9FA65696E}" dt="2023-03-14T14:50:41.595" v="1" actId="20577"/>
+        <pc:chgData name="Adeline Fernandez" userId="dab5bb2eb88bd76e" providerId="LiveId" clId="{E410CC85-CE06-492B-ABD1-1BF9FA65696E}" dt="2023-03-15T15:46:31.351" v="913" actId="20577"/>
         <pc:sldMkLst>
           <pc:docMk/>
           <pc:sldMk cId="495421651" sldId="258"/>
@@ -153,6 +153,14 @@
             <pc:docMk/>
             <pc:sldMk cId="495421651" sldId="258"/>
             <ac:spMk id="3" creationId="{BBD81D5C-493E-78B1-6616-F151FFE650EA}"/>
+          </ac:spMkLst>
+        </pc:spChg>
+        <pc:spChg chg="mod">
+          <ac:chgData name="Adeline Fernandez" userId="dab5bb2eb88bd76e" providerId="LiveId" clId="{E410CC85-CE06-492B-ABD1-1BF9FA65696E}" dt="2023-03-15T15:46:31.351" v="913" actId="20577"/>
+          <ac:spMkLst>
+            <pc:docMk/>
+            <pc:sldMk cId="495421651" sldId="258"/>
+            <ac:spMk id="9" creationId="{492C8E00-8E0A-30A6-2543-CBC1E3285EB4}"/>
           </ac:spMkLst>
         </pc:spChg>
       </pc:sldChg>
@@ -226,26 +234,58 @@
           </ac:picMkLst>
         </pc:picChg>
       </pc:sldChg>
-      <pc:sldChg chg="modSp mod">
-        <pc:chgData name="Adeline Fernandez" userId="dab5bb2eb88bd76e" providerId="LiveId" clId="{E410CC85-CE06-492B-ABD1-1BF9FA65696E}" dt="2023-03-14T16:05:40.708" v="247" actId="120"/>
+      <pc:sldChg chg="addSp delSp modSp mod">
+        <pc:chgData name="Adeline Fernandez" userId="dab5bb2eb88bd76e" providerId="LiveId" clId="{E410CC85-CE06-492B-ABD1-1BF9FA65696E}" dt="2023-03-15T15:48:28.394" v="931" actId="1582"/>
         <pc:sldMkLst>
           <pc:docMk/>
           <pc:sldMk cId="3762045951" sldId="261"/>
         </pc:sldMkLst>
-        <pc:spChg chg="mod">
-          <ac:chgData name="Adeline Fernandez" userId="dab5bb2eb88bd76e" providerId="LiveId" clId="{E410CC85-CE06-492B-ABD1-1BF9FA65696E}" dt="2023-03-14T16:05:40.708" v="247" actId="120"/>
+        <pc:spChg chg="del mod">
+          <ac:chgData name="Adeline Fernandez" userId="dab5bb2eb88bd76e" providerId="LiveId" clId="{E410CC85-CE06-492B-ABD1-1BF9FA65696E}" dt="2023-03-15T15:46:40.307" v="914" actId="478"/>
           <ac:spMkLst>
             <pc:docMk/>
             <pc:sldMk cId="3762045951" sldId="261"/>
             <ac:spMk id="3" creationId="{BBD81D5C-493E-78B1-6616-F151FFE650EA}"/>
           </ac:spMkLst>
         </pc:spChg>
-        <pc:picChg chg="mod">
-          <ac:chgData name="Adeline Fernandez" userId="dab5bb2eb88bd76e" providerId="LiveId" clId="{E410CC85-CE06-492B-ABD1-1BF9FA65696E}" dt="2023-03-14T16:05:32.544" v="244" actId="1076"/>
+        <pc:spChg chg="add del mod">
+          <ac:chgData name="Adeline Fernandez" userId="dab5bb2eb88bd76e" providerId="LiveId" clId="{E410CC85-CE06-492B-ABD1-1BF9FA65696E}" dt="2023-03-15T15:46:47.350" v="917" actId="478"/>
+          <ac:spMkLst>
+            <pc:docMk/>
+            <pc:sldMk cId="3762045951" sldId="261"/>
+            <ac:spMk id="7" creationId="{31F4DCBB-C2B2-B307-B203-49E0C6D5B25B}"/>
+          </ac:spMkLst>
+        </pc:spChg>
+        <pc:spChg chg="add mod">
+          <ac:chgData name="Adeline Fernandez" userId="dab5bb2eb88bd76e" providerId="LiveId" clId="{E410CC85-CE06-492B-ABD1-1BF9FA65696E}" dt="2023-03-15T15:48:28.394" v="931" actId="1582"/>
+          <ac:spMkLst>
+            <pc:docMk/>
+            <pc:sldMk cId="3762045951" sldId="261"/>
+            <ac:spMk id="12" creationId="{C7480FD0-0D7A-21AB-D39C-160591AE6388}"/>
+          </ac:spMkLst>
+        </pc:spChg>
+        <pc:picChg chg="add del mod">
+          <ac:chgData name="Adeline Fernandez" userId="dab5bb2eb88bd76e" providerId="LiveId" clId="{E410CC85-CE06-492B-ABD1-1BF9FA65696E}" dt="2023-03-15T15:46:43.265" v="916" actId="478"/>
           <ac:picMkLst>
             <pc:docMk/>
             <pc:sldMk cId="3762045951" sldId="261"/>
             <ac:picMk id="5" creationId="{E6742EDC-E73E-6ACD-B581-F4706B466BBB}"/>
+          </ac:picMkLst>
+        </pc:picChg>
+        <pc:picChg chg="add mod">
+          <ac:chgData name="Adeline Fernandez" userId="dab5bb2eb88bd76e" providerId="LiveId" clId="{E410CC85-CE06-492B-ABD1-1BF9FA65696E}" dt="2023-03-15T15:47:49.749" v="928" actId="1076"/>
+          <ac:picMkLst>
+            <pc:docMk/>
+            <pc:sldMk cId="3762045951" sldId="261"/>
+            <ac:picMk id="9" creationId="{FCC647C8-6A4B-FA5D-821B-D7FC47793D4A}"/>
+          </ac:picMkLst>
+        </pc:picChg>
+        <pc:picChg chg="add mod">
+          <ac:chgData name="Adeline Fernandez" userId="dab5bb2eb88bd76e" providerId="LiveId" clId="{E410CC85-CE06-492B-ABD1-1BF9FA65696E}" dt="2023-03-15T15:47:21.231" v="925" actId="1076"/>
+          <ac:picMkLst>
+            <pc:docMk/>
+            <pc:sldMk cId="3762045951" sldId="261"/>
+            <ac:picMk id="11" creationId="{42236FD1-8518-4636-D6D6-B54DA4D82A06}"/>
           </ac:picMkLst>
         </pc:picChg>
       </pc:sldChg>
@@ -273,13 +313,13 @@
         </pc:picChg>
       </pc:sldChg>
       <pc:sldChg chg="modSp mod ord">
-        <pc:chgData name="Adeline Fernandez" userId="dab5bb2eb88bd76e" providerId="LiveId" clId="{E410CC85-CE06-492B-ABD1-1BF9FA65696E}" dt="2023-03-15T08:36:55.749" v="352"/>
+        <pc:chgData name="Adeline Fernandez" userId="dab5bb2eb88bd76e" providerId="LiveId" clId="{E410CC85-CE06-492B-ABD1-1BF9FA65696E}" dt="2023-03-15T15:48:43.024" v="944" actId="20577"/>
         <pc:sldMkLst>
           <pc:docMk/>
           <pc:sldMk cId="2168826528" sldId="263"/>
         </pc:sldMkLst>
         <pc:spChg chg="mod">
-          <ac:chgData name="Adeline Fernandez" userId="dab5bb2eb88bd76e" providerId="LiveId" clId="{E410CC85-CE06-492B-ABD1-1BF9FA65696E}" dt="2023-03-14T16:07:21.302" v="296" actId="120"/>
+          <ac:chgData name="Adeline Fernandez" userId="dab5bb2eb88bd76e" providerId="LiveId" clId="{E410CC85-CE06-492B-ABD1-1BF9FA65696E}" dt="2023-03-15T15:48:43.024" v="944" actId="20577"/>
           <ac:spMkLst>
             <pc:docMk/>
             <pc:sldMk cId="2168826528" sldId="263"/>
@@ -288,13 +328,13 @@
         </pc:spChg>
       </pc:sldChg>
       <pc:sldChg chg="modSp mod">
-        <pc:chgData name="Adeline Fernandez" userId="dab5bb2eb88bd76e" providerId="LiveId" clId="{E410CC85-CE06-492B-ABD1-1BF9FA65696E}" dt="2023-03-15T10:57:55.091" v="776" actId="20577"/>
+        <pc:chgData name="Adeline Fernandez" userId="dab5bb2eb88bd76e" providerId="LiveId" clId="{E410CC85-CE06-492B-ABD1-1BF9FA65696E}" dt="2023-03-15T15:49:15.973" v="960" actId="20577"/>
         <pc:sldMkLst>
           <pc:docMk/>
           <pc:sldMk cId="2180545974" sldId="264"/>
         </pc:sldMkLst>
         <pc:spChg chg="mod">
-          <ac:chgData name="Adeline Fernandez" userId="dab5bb2eb88bd76e" providerId="LiveId" clId="{E410CC85-CE06-492B-ABD1-1BF9FA65696E}" dt="2023-03-15T10:57:55.091" v="776" actId="20577"/>
+          <ac:chgData name="Adeline Fernandez" userId="dab5bb2eb88bd76e" providerId="LiveId" clId="{E410CC85-CE06-492B-ABD1-1BF9FA65696E}" dt="2023-03-15T15:49:15.973" v="960" actId="20577"/>
           <ac:spMkLst>
             <pc:docMk/>
             <pc:sldMk cId="2180545974" sldId="264"/>
@@ -342,13 +382,13 @@
         </pc:picChg>
       </pc:sldChg>
       <pc:sldChg chg="modSp mod ord">
-        <pc:chgData name="Adeline Fernandez" userId="dab5bb2eb88bd76e" providerId="LiveId" clId="{E410CC85-CE06-492B-ABD1-1BF9FA65696E}" dt="2023-03-15T10:55:00.716" v="734" actId="20577"/>
+        <pc:chgData name="Adeline Fernandez" userId="dab5bb2eb88bd76e" providerId="LiveId" clId="{E410CC85-CE06-492B-ABD1-1BF9FA65696E}" dt="2023-03-15T15:48:59.532" v="958" actId="120"/>
         <pc:sldMkLst>
           <pc:docMk/>
           <pc:sldMk cId="230450834" sldId="266"/>
         </pc:sldMkLst>
         <pc:spChg chg="mod">
-          <ac:chgData name="Adeline Fernandez" userId="dab5bb2eb88bd76e" providerId="LiveId" clId="{E410CC85-CE06-492B-ABD1-1BF9FA65696E}" dt="2023-03-15T10:55:00.716" v="734" actId="20577"/>
+          <ac:chgData name="Adeline Fernandez" userId="dab5bb2eb88bd76e" providerId="LiveId" clId="{E410CC85-CE06-492B-ABD1-1BF9FA65696E}" dt="2023-03-15T15:48:59.532" v="958" actId="120"/>
           <ac:spMkLst>
             <pc:docMk/>
             <pc:sldMk cId="230450834" sldId="266"/>
@@ -7053,7 +7093,7 @@
         <p:spPr>
           <a:xfrm>
             <a:off x="5724331" y="2736823"/>
-            <a:ext cx="6293498" cy="1200329"/>
+            <a:ext cx="6293498" cy="461665"/>
           </a:xfrm>
           <a:prstGeom prst="rect">
             <a:avLst/>
@@ -7073,47 +7113,7 @@
               <a:rPr lang="en-US" sz="2400" dirty="0">
                 <a:latin typeface="Amasis MT Pro Medium" panose="02040604050005020304" pitchFamily="18" charset="0"/>
               </a:rPr>
-              <a:t>- </a:t>
-            </a:r>
-            <a:r>
-              <a:rPr lang="en-US" sz="2400" dirty="0" err="1">
-                <a:latin typeface="Amasis MT Pro Medium" panose="02040604050005020304" pitchFamily="18" charset="0"/>
-              </a:rPr>
-              <a:t>Branchements</a:t>
-            </a:r>
-            <a:endParaRPr lang="en-US" sz="2400" dirty="0">
-              <a:latin typeface="Amasis MT Pro Medium" panose="02040604050005020304" pitchFamily="18" charset="0"/>
-            </a:endParaRPr>
-          </a:p>
-          <a:p>
-            <a:pPr marL="0" indent="0" algn="l">
-              <a:buNone/>
-            </a:pPr>
-            <a:r>
-              <a:rPr lang="en-US" sz="2400" dirty="0">
-                <a:latin typeface="Amasis MT Pro Medium" panose="02040604050005020304" pitchFamily="18" charset="0"/>
-              </a:rPr>
-              <a:t>- Installation et configuration de </a:t>
-            </a:r>
-            <a:r>
-              <a:rPr lang="en-US" sz="2400" dirty="0" err="1">
-                <a:latin typeface="Amasis MT Pro Medium" panose="02040604050005020304" pitchFamily="18" charset="0"/>
-              </a:rPr>
-              <a:t>l’OS</a:t>
-            </a:r>
-            <a:endParaRPr lang="en-US" sz="2400" dirty="0">
-              <a:latin typeface="Amasis MT Pro Medium" panose="02040604050005020304" pitchFamily="18" charset="0"/>
-            </a:endParaRPr>
-          </a:p>
-          <a:p>
-            <a:pPr marL="0" indent="0" algn="l">
-              <a:buNone/>
-            </a:pPr>
-            <a:r>
-              <a:rPr lang="en-US" sz="2400" dirty="0">
-                <a:latin typeface="Amasis MT Pro Medium" panose="02040604050005020304" pitchFamily="18" charset="0"/>
-              </a:rPr>
-              <a:t>- </a:t>
+              <a:t>- Debian 11 Bullseye</a:t>
             </a:r>
           </a:p>
         </p:txBody>
@@ -10957,62 +10957,6 @@
       </p:sp>
       <p:sp>
         <p:nvSpPr>
-          <p:cNvPr id="3" name="Sous-titre 2">
-            <a:extLst>
-              <a:ext uri="{FF2B5EF4-FFF2-40B4-BE49-F238E27FC236}">
-                <a16:creationId xmlns:a16="http://schemas.microsoft.com/office/drawing/2014/main" id="{BBD81D5C-493E-78B1-6616-F151FFE650EA}"/>
-              </a:ext>
-            </a:extLst>
-          </p:cNvPr>
-          <p:cNvSpPr>
-            <a:spLocks noGrp="1"/>
-          </p:cNvSpPr>
-          <p:nvPr>
-            <p:ph type="subTitle" idx="1"/>
-          </p:nvPr>
-        </p:nvSpPr>
-        <p:spPr>
-          <a:xfrm>
-            <a:off x="3194995" y="2389707"/>
-            <a:ext cx="6012995" cy="1184987"/>
-          </a:xfrm>
-        </p:spPr>
-        <p:txBody>
-          <a:bodyPr anchor="t">
-            <a:normAutofit/>
-          </a:bodyPr>
-          <a:lstStyle/>
-          <a:p>
-            <a:pPr marL="342900" indent="-342900" algn="l">
-              <a:buFontTx/>
-              <a:buChar char="-"/>
-            </a:pPr>
-            <a:r>
-              <a:rPr lang="fr-FR" dirty="0"/>
-              <a:t>Création d’une base</a:t>
-            </a:r>
-          </a:p>
-          <a:p>
-            <a:pPr marL="342900" indent="-342900" algn="l">
-              <a:buFontTx/>
-              <a:buChar char="-"/>
-            </a:pPr>
-            <a:r>
-              <a:rPr lang="fr-FR" dirty="0"/>
-              <a:t>Création d’une table </a:t>
-            </a:r>
-          </a:p>
-          <a:p>
-            <a:pPr marL="342900" indent="-342900" algn="l">
-              <a:buFontTx/>
-              <a:buChar char="-"/>
-            </a:pPr>
-            <a:endParaRPr lang="fr-FR" dirty="0"/>
-          </a:p>
-        </p:txBody>
-      </p:sp>
-      <p:sp>
-        <p:nvSpPr>
           <p:cNvPr id="6" name="Espace réservé du numéro de diapositive 5">
             <a:extLst>
               <a:ext uri="{FF2B5EF4-FFF2-40B4-BE49-F238E27FC236}">
@@ -11037,6 +10981,132 @@
               <a:t>5</a:t>
             </a:fld>
             <a:endParaRPr lang="fr-FR"/>
+          </a:p>
+        </p:txBody>
+      </p:sp>
+      <p:pic>
+        <p:nvPicPr>
+          <p:cNvPr id="9" name="Image 8" descr="Une image contenant texte, lettre&#10;&#10;Description générée automatiquement">
+            <a:extLst>
+              <a:ext uri="{FF2B5EF4-FFF2-40B4-BE49-F238E27FC236}">
+                <a16:creationId xmlns:a16="http://schemas.microsoft.com/office/drawing/2014/main" id="{FCC647C8-6A4B-FA5D-821B-D7FC47793D4A}"/>
+              </a:ext>
+            </a:extLst>
+          </p:cNvPr>
+          <p:cNvPicPr>
+            <a:picLocks noChangeAspect="1"/>
+          </p:cNvPicPr>
+          <p:nvPr/>
+        </p:nvPicPr>
+        <p:blipFill>
+          <a:blip r:embed="rId3">
+            <a:extLst>
+              <a:ext uri="{28A0092B-C50C-407E-A947-70E740481C1C}">
+                <a14:useLocalDpi xmlns:a14="http://schemas.microsoft.com/office/drawing/2010/main" val="0"/>
+              </a:ext>
+            </a:extLst>
+          </a:blip>
+          <a:stretch>
+            <a:fillRect/>
+          </a:stretch>
+        </p:blipFill>
+        <p:spPr>
+          <a:xfrm>
+            <a:off x="2066063" y="1818026"/>
+            <a:ext cx="2933700" cy="3371850"/>
+          </a:xfrm>
+          <a:prstGeom prst="rect">
+            <a:avLst/>
+          </a:prstGeom>
+        </p:spPr>
+      </p:pic>
+      <p:pic>
+        <p:nvPicPr>
+          <p:cNvPr id="11" name="Image 10" descr="Une image contenant texte, lettre, tableau blanc&#10;&#10;Description générée automatiquement">
+            <a:extLst>
+              <a:ext uri="{FF2B5EF4-FFF2-40B4-BE49-F238E27FC236}">
+                <a16:creationId xmlns:a16="http://schemas.microsoft.com/office/drawing/2014/main" id="{42236FD1-8518-4636-D6D6-B54DA4D82A06}"/>
+              </a:ext>
+            </a:extLst>
+          </p:cNvPr>
+          <p:cNvPicPr>
+            <a:picLocks noChangeAspect="1"/>
+          </p:cNvPicPr>
+          <p:nvPr/>
+        </p:nvPicPr>
+        <p:blipFill>
+          <a:blip r:embed="rId4">
+            <a:extLst>
+              <a:ext uri="{28A0092B-C50C-407E-A947-70E740481C1C}">
+                <a14:useLocalDpi xmlns:a14="http://schemas.microsoft.com/office/drawing/2010/main" val="0"/>
+              </a:ext>
+            </a:extLst>
+          </a:blip>
+          <a:stretch>
+            <a:fillRect/>
+          </a:stretch>
+        </p:blipFill>
+        <p:spPr>
+          <a:xfrm>
+            <a:off x="6839854" y="1838664"/>
+            <a:ext cx="2809875" cy="3267075"/>
+          </a:xfrm>
+          <a:prstGeom prst="rect">
+            <a:avLst/>
+          </a:prstGeom>
+        </p:spPr>
+      </p:pic>
+      <p:sp>
+        <p:nvSpPr>
+          <p:cNvPr id="12" name="Flèche : droite 11">
+            <a:extLst>
+              <a:ext uri="{FF2B5EF4-FFF2-40B4-BE49-F238E27FC236}">
+                <a16:creationId xmlns:a16="http://schemas.microsoft.com/office/drawing/2014/main" id="{C7480FD0-0D7A-21AB-D39C-160591AE6388}"/>
+              </a:ext>
+            </a:extLst>
+          </p:cNvPr>
+          <p:cNvSpPr/>
+          <p:nvPr/>
+        </p:nvSpPr>
+        <p:spPr>
+          <a:xfrm>
+            <a:off x="5422062" y="3186684"/>
+            <a:ext cx="978408" cy="484632"/>
+          </a:xfrm>
+          <a:prstGeom prst="rightArrow">
+            <a:avLst/>
+          </a:prstGeom>
+          <a:solidFill>
+            <a:schemeClr val="bg1"/>
+          </a:solidFill>
+          <a:ln w="19050">
+            <a:solidFill>
+              <a:schemeClr val="tx1"/>
+            </a:solidFill>
+          </a:ln>
+        </p:spPr>
+        <p:style>
+          <a:lnRef idx="2">
+            <a:schemeClr val="accent1">
+              <a:shade val="50000"/>
+            </a:schemeClr>
+          </a:lnRef>
+          <a:fillRef idx="1">
+            <a:schemeClr val="accent1"/>
+          </a:fillRef>
+          <a:effectRef idx="0">
+            <a:schemeClr val="accent1"/>
+          </a:effectRef>
+          <a:fontRef idx="minor">
+            <a:schemeClr val="lt1"/>
+          </a:fontRef>
+        </p:style>
+        <p:txBody>
+          <a:bodyPr rtlCol="0" anchor="ctr"/>
+          <a:lstStyle/>
+          <a:p>
+            <a:pPr algn="ctr"/>
+            <a:endParaRPr lang="fr-FR" dirty="0"/>
           </a:p>
         </p:txBody>
       </p:sp>
@@ -13671,7 +13741,14 @@
             </a:pPr>
             <a:r>
               <a:rPr lang="fr-FR" dirty="0"/>
-              <a:t>HTML / CSS</a:t>
+              <a:t>HTML </a:t>
+            </a:r>
+          </a:p>
+          <a:p>
+            <a:pPr algn="l"/>
+            <a:r>
+              <a:rPr lang="fr-FR" dirty="0"/>
+              <a:t>- CSS</a:t>
             </a:r>
           </a:p>
           <a:p>
@@ -13681,7 +13758,7 @@
             </a:pPr>
             <a:r>
               <a:rPr lang="fr-FR" dirty="0"/>
-              <a:t>PHP pour affichage des données</a:t>
+              <a:t>PHP</a:t>
             </a:r>
           </a:p>
         </p:txBody>
@@ -14969,7 +15046,7 @@
           </a:bodyPr>
           <a:lstStyle/>
           <a:p>
-            <a:pPr marL="342900" indent="-342900">
+            <a:pPr marL="342900" indent="-342900" algn="l">
               <a:buFontTx/>
               <a:buChar char="-"/>
             </a:pPr>
@@ -14979,7 +15056,7 @@
             </a:r>
           </a:p>
           <a:p>
-            <a:pPr marL="342900" indent="-342900">
+            <a:pPr marL="342900" indent="-342900" algn="l">
               <a:buFontTx/>
               <a:buChar char="-"/>
             </a:pPr>
@@ -14989,13 +15066,35 @@
             </a:r>
           </a:p>
           <a:p>
-            <a:pPr marL="342900" indent="-342900">
+            <a:pPr marL="342900" indent="-342900" algn="l">
               <a:buFontTx/>
               <a:buChar char="-"/>
             </a:pPr>
             <a:r>
               <a:rPr lang="fr-FR" dirty="0"/>
-              <a:t>Prévisions météo (regarder si OPM le fait éventuellement le coût)</a:t>
+              <a:t>Prévisions météo (</a:t>
+            </a:r>
+            <a:r>
+              <a:rPr lang="fr-FR" dirty="0">
+                <a:solidFill>
+                  <a:srgbClr val="FF0000"/>
+                </a:solidFill>
+              </a:rPr>
+              <a:t>regarder si OPM le fait éventuellement le coût)</a:t>
+            </a:r>
+          </a:p>
+          <a:p>
+            <a:pPr marL="342900" indent="-342900" algn="l">
+              <a:buFontTx/>
+              <a:buChar char="-"/>
+            </a:pPr>
+            <a:r>
+              <a:rPr lang="fr-FR" dirty="0">
+                <a:solidFill>
+                  <a:srgbClr val="FF0000"/>
+                </a:solidFill>
+              </a:rPr>
+              <a:t>Application</a:t>
             </a:r>
           </a:p>
         </p:txBody>
@@ -16283,7 +16382,7 @@
           </a:bodyPr>
           <a:lstStyle/>
           <a:p>
-            <a:pPr marL="342900" indent="-342900">
+            <a:pPr marL="342900" indent="-342900" algn="l">
               <a:buFontTx/>
               <a:buChar char="-"/>
             </a:pPr>
@@ -16293,7 +16392,7 @@
             </a:r>
           </a:p>
           <a:p>
-            <a:pPr marL="342900" indent="-342900">
+            <a:pPr marL="342900" indent="-342900" algn="l">
               <a:buFontTx/>
               <a:buChar char="-"/>
             </a:pPr>
@@ -16308,7 +16407,7 @@
             <a:endParaRPr lang="fr-FR" dirty="0"/>
           </a:p>
           <a:p>
-            <a:pPr marL="342900" indent="-342900">
+            <a:pPr marL="342900" indent="-342900" algn="l">
               <a:buFontTx/>
               <a:buChar char="-"/>
             </a:pPr>
@@ -16319,7 +16418,7 @@
             <a:endParaRPr lang="fr-FR" dirty="0"/>
           </a:p>
           <a:p>
-            <a:pPr marL="342900" indent="-342900">
+            <a:pPr marL="342900" indent="-342900" algn="l">
               <a:buFontTx/>
               <a:buChar char="-"/>
             </a:pPr>
@@ -16329,7 +16428,7 @@
             </a:r>
           </a:p>
           <a:p>
-            <a:pPr marL="342900" indent="-342900">
+            <a:pPr marL="342900" indent="-342900" algn="l">
               <a:buFontTx/>
               <a:buChar char="-"/>
             </a:pPr>
@@ -16341,16 +16440,6 @@
               <a:rPr lang="fr-FR" dirty="0" err="1"/>
               <a:t>bi-mensuelles</a:t>
             </a:r>
-            <a:r>
-              <a:rPr lang="fr-FR" dirty="0"/>
-              <a:t> (évolutions individuelles, problématiques rencontrées)</a:t>
-            </a:r>
-          </a:p>
-          <a:p>
-            <a:pPr marL="342900" indent="-342900">
-              <a:buFontTx/>
-              <a:buChar char="-"/>
-            </a:pPr>
             <a:endParaRPr lang="fr-FR" dirty="0"/>
           </a:p>
         </p:txBody>
